--- a/Pre-Production/D-Sync.pptx
+++ b/Pre-Production/D-Sync.pptx
@@ -4,6 +4,9 @@
   <p:sldMasterIdLst>
     <p:sldMasterId id="2147483756" r:id="rId1"/>
   </p:sldMasterIdLst>
+  <p:notesMasterIdLst>
+    <p:notesMasterId r:id="rId14"/>
+  </p:notesMasterIdLst>
   <p:sldIdLst>
     <p:sldId id="256" r:id="rId2"/>
     <p:sldId id="257" r:id="rId3"/>
@@ -13,8 +16,10 @@
     <p:sldId id="262" r:id="rId7"/>
     <p:sldId id="263" r:id="rId8"/>
     <p:sldId id="264" r:id="rId9"/>
-    <p:sldId id="265" r:id="rId10"/>
+    <p:sldId id="266" r:id="rId10"/>
     <p:sldId id="261" r:id="rId11"/>
+    <p:sldId id="265" r:id="rId12"/>
+    <p:sldId id="267" r:id="rId13"/>
   </p:sldIdLst>
   <p:sldSz cx="9144000" cy="6858000" type="screen4x3"/>
   <p:notesSz cx="6858000" cy="9144000"/>
@@ -113,7 +118,1345 @@
       </a:defRPr>
     </a:lvl9pPr>
   </p:defaultTextStyle>
+  <p:extLst>
+    <p:ext uri="{EFAFB233-063F-42B5-8137-9DF3F51BA10A}">
+      <p15:sldGuideLst xmlns:p15="http://schemas.microsoft.com/office/powerpoint/2012/main">
+        <p15:guide id="1" orient="horz" pos="2160">
+          <p15:clr>
+            <a:srgbClr val="A4A3A4"/>
+          </p15:clr>
+        </p15:guide>
+        <p15:guide id="2" pos="2880">
+          <p15:clr>
+            <a:srgbClr val="A4A3A4"/>
+          </p15:clr>
+        </p15:guide>
+      </p15:sldGuideLst>
+    </p:ext>
+  </p:extLst>
 </p:presentation>
+</file>
+
+<file path=ppt/revisionInfo.xml><?xml version="1.0" encoding="utf-8"?>
+<p1510:revInfo xmlns:a="http://schemas.openxmlformats.org/drawingml/2006/main" xmlns:r="http://schemas.openxmlformats.org/officeDocument/2006/relationships" xmlns:p1510="http://schemas.microsoft.com/office/powerpoint/2015/10/main"/>
+</file>
+
+<file path=ppt/notesMasters/notesMaster1.xml><?xml version="1.0" encoding="utf-8"?>
+<p:notesMaster xmlns:a="http://schemas.openxmlformats.org/drawingml/2006/main" xmlns:r="http://schemas.openxmlformats.org/officeDocument/2006/relationships" xmlns:p="http://schemas.openxmlformats.org/presentationml/2006/main">
+  <p:cSld>
+    <p:bg>
+      <p:bgRef idx="1001">
+        <a:schemeClr val="bg1"/>
+      </p:bgRef>
+    </p:bg>
+    <p:spTree>
+      <p:nvGrpSpPr>
+        <p:cNvPr id="1" name=""/>
+        <p:cNvGrpSpPr/>
+        <p:nvPr/>
+      </p:nvGrpSpPr>
+      <p:grpSpPr>
+        <a:xfrm>
+          <a:off x="0" y="0"/>
+          <a:ext cx="0" cy="0"/>
+          <a:chOff x="0" y="0"/>
+          <a:chExt cx="0" cy="0"/>
+        </a:xfrm>
+      </p:grpSpPr>
+      <p:sp>
+        <p:nvSpPr>
+          <p:cNvPr id="2" name="Header Placeholder 1"/>
+          <p:cNvSpPr>
+            <a:spLocks noGrp="1"/>
+          </p:cNvSpPr>
+          <p:nvPr>
+            <p:ph type="hdr" sz="quarter"/>
+          </p:nvPr>
+        </p:nvSpPr>
+        <p:spPr>
+          <a:xfrm>
+            <a:off x="0" y="0"/>
+            <a:ext cx="2971800" cy="458788"/>
+          </a:xfrm>
+          <a:prstGeom prst="rect">
+            <a:avLst/>
+          </a:prstGeom>
+        </p:spPr>
+        <p:txBody>
+          <a:bodyPr vert="horz" lIns="91440" tIns="45720" rIns="91440" bIns="45720" rtlCol="0"/>
+          <a:lstStyle>
+            <a:lvl1pPr algn="l">
+              <a:defRPr sz="1200"/>
+            </a:lvl1pPr>
+          </a:lstStyle>
+          <a:p>
+            <a:endParaRPr lang="en-SG"/>
+          </a:p>
+        </p:txBody>
+      </p:sp>
+      <p:sp>
+        <p:nvSpPr>
+          <p:cNvPr id="3" name="Date Placeholder 2"/>
+          <p:cNvSpPr>
+            <a:spLocks noGrp="1"/>
+          </p:cNvSpPr>
+          <p:nvPr>
+            <p:ph type="dt" idx="1"/>
+          </p:nvPr>
+        </p:nvSpPr>
+        <p:spPr>
+          <a:xfrm>
+            <a:off x="3884613" y="0"/>
+            <a:ext cx="2971800" cy="458788"/>
+          </a:xfrm>
+          <a:prstGeom prst="rect">
+            <a:avLst/>
+          </a:prstGeom>
+        </p:spPr>
+        <p:txBody>
+          <a:bodyPr vert="horz" lIns="91440" tIns="45720" rIns="91440" bIns="45720" rtlCol="0"/>
+          <a:lstStyle>
+            <a:lvl1pPr algn="r">
+              <a:defRPr sz="1200"/>
+            </a:lvl1pPr>
+          </a:lstStyle>
+          <a:p>
+            <a:fld id="{5A18359B-5A98-482A-B508-C1C18731ED96}" type="datetimeFigureOut">
+              <a:rPr lang="en-SG" smtClean="0"/>
+              <a:t>23/1/2018</a:t>
+            </a:fld>
+            <a:endParaRPr lang="en-SG"/>
+          </a:p>
+        </p:txBody>
+      </p:sp>
+      <p:sp>
+        <p:nvSpPr>
+          <p:cNvPr id="4" name="Slide Image Placeholder 3"/>
+          <p:cNvSpPr>
+            <a:spLocks noGrp="1" noRot="1" noChangeAspect="1"/>
+          </p:cNvSpPr>
+          <p:nvPr>
+            <p:ph type="sldImg" idx="2"/>
+          </p:nvPr>
+        </p:nvSpPr>
+        <p:spPr>
+          <a:xfrm>
+            <a:off x="1371600" y="1143000"/>
+            <a:ext cx="4114800" cy="3086100"/>
+          </a:xfrm>
+          <a:prstGeom prst="rect">
+            <a:avLst/>
+          </a:prstGeom>
+          <a:noFill/>
+          <a:ln w="12700">
+            <a:solidFill>
+              <a:prstClr val="black"/>
+            </a:solidFill>
+          </a:ln>
+        </p:spPr>
+        <p:txBody>
+          <a:bodyPr vert="horz" lIns="91440" tIns="45720" rIns="91440" bIns="45720" rtlCol="0" anchor="ctr"/>
+          <a:lstStyle/>
+          <a:p>
+            <a:endParaRPr lang="en-SG"/>
+          </a:p>
+        </p:txBody>
+      </p:sp>
+      <p:sp>
+        <p:nvSpPr>
+          <p:cNvPr id="5" name="Notes Placeholder 4"/>
+          <p:cNvSpPr>
+            <a:spLocks noGrp="1"/>
+          </p:cNvSpPr>
+          <p:nvPr>
+            <p:ph type="body" sz="quarter" idx="3"/>
+          </p:nvPr>
+        </p:nvSpPr>
+        <p:spPr>
+          <a:xfrm>
+            <a:off x="685800" y="4400550"/>
+            <a:ext cx="5486400" cy="3600450"/>
+          </a:xfrm>
+          <a:prstGeom prst="rect">
+            <a:avLst/>
+          </a:prstGeom>
+        </p:spPr>
+        <p:txBody>
+          <a:bodyPr vert="horz" lIns="91440" tIns="45720" rIns="91440" bIns="45720" rtlCol="0"/>
+          <a:lstStyle/>
+          <a:p>
+            <a:pPr lvl="0"/>
+            <a:r>
+              <a:rPr lang="en-US"/>
+              <a:t>Edit Master text styles</a:t>
+            </a:r>
+          </a:p>
+          <a:p>
+            <a:pPr lvl="1"/>
+            <a:r>
+              <a:rPr lang="en-US"/>
+              <a:t>Second level</a:t>
+            </a:r>
+          </a:p>
+          <a:p>
+            <a:pPr lvl="2"/>
+            <a:r>
+              <a:rPr lang="en-US"/>
+              <a:t>Third level</a:t>
+            </a:r>
+          </a:p>
+          <a:p>
+            <a:pPr lvl="3"/>
+            <a:r>
+              <a:rPr lang="en-US"/>
+              <a:t>Fourth level</a:t>
+            </a:r>
+          </a:p>
+          <a:p>
+            <a:pPr lvl="4"/>
+            <a:r>
+              <a:rPr lang="en-US"/>
+              <a:t>Fifth level</a:t>
+            </a:r>
+            <a:endParaRPr lang="en-SG"/>
+          </a:p>
+        </p:txBody>
+      </p:sp>
+      <p:sp>
+        <p:nvSpPr>
+          <p:cNvPr id="6" name="Footer Placeholder 5"/>
+          <p:cNvSpPr>
+            <a:spLocks noGrp="1"/>
+          </p:cNvSpPr>
+          <p:nvPr>
+            <p:ph type="ftr" sz="quarter" idx="4"/>
+          </p:nvPr>
+        </p:nvSpPr>
+        <p:spPr>
+          <a:xfrm>
+            <a:off x="0" y="8685213"/>
+            <a:ext cx="2971800" cy="458787"/>
+          </a:xfrm>
+          <a:prstGeom prst="rect">
+            <a:avLst/>
+          </a:prstGeom>
+        </p:spPr>
+        <p:txBody>
+          <a:bodyPr vert="horz" lIns="91440" tIns="45720" rIns="91440" bIns="45720" rtlCol="0" anchor="b"/>
+          <a:lstStyle>
+            <a:lvl1pPr algn="l">
+              <a:defRPr sz="1200"/>
+            </a:lvl1pPr>
+          </a:lstStyle>
+          <a:p>
+            <a:endParaRPr lang="en-SG"/>
+          </a:p>
+        </p:txBody>
+      </p:sp>
+      <p:sp>
+        <p:nvSpPr>
+          <p:cNvPr id="7" name="Slide Number Placeholder 6"/>
+          <p:cNvSpPr>
+            <a:spLocks noGrp="1"/>
+          </p:cNvSpPr>
+          <p:nvPr>
+            <p:ph type="sldNum" sz="quarter" idx="5"/>
+          </p:nvPr>
+        </p:nvSpPr>
+        <p:spPr>
+          <a:xfrm>
+            <a:off x="3884613" y="8685213"/>
+            <a:ext cx="2971800" cy="458787"/>
+          </a:xfrm>
+          <a:prstGeom prst="rect">
+            <a:avLst/>
+          </a:prstGeom>
+        </p:spPr>
+        <p:txBody>
+          <a:bodyPr vert="horz" lIns="91440" tIns="45720" rIns="91440" bIns="45720" rtlCol="0" anchor="b"/>
+          <a:lstStyle>
+            <a:lvl1pPr algn="r">
+              <a:defRPr sz="1200"/>
+            </a:lvl1pPr>
+          </a:lstStyle>
+          <a:p>
+            <a:fld id="{4D8388EC-2208-4933-8AC0-4CDA50E0E74E}" type="slidenum">
+              <a:rPr lang="en-SG" smtClean="0"/>
+              <a:t>‹#›</a:t>
+            </a:fld>
+            <a:endParaRPr lang="en-SG"/>
+          </a:p>
+        </p:txBody>
+      </p:sp>
+    </p:spTree>
+    <p:extLst>
+      <p:ext uri="{BB962C8B-B14F-4D97-AF65-F5344CB8AC3E}">
+        <p14:creationId xmlns:p14="http://schemas.microsoft.com/office/powerpoint/2010/main" val="2521122777"/>
+      </p:ext>
+    </p:extLst>
+  </p:cSld>
+  <p:clrMap bg1="lt1" tx1="dk1" bg2="lt2" tx2="dk2" accent1="accent1" accent2="accent2" accent3="accent3" accent4="accent4" accent5="accent5" accent6="accent6" hlink="hlink" folHlink="folHlink"/>
+  <p:notesStyle>
+    <a:lvl1pPr marL="0" algn="l" defTabSz="914400" rtl="0" eaLnBrk="1" latinLnBrk="0" hangingPunct="1">
+      <a:defRPr sz="1200" kern="1200">
+        <a:solidFill>
+          <a:schemeClr val="tx1"/>
+        </a:solidFill>
+        <a:latin typeface="+mn-lt"/>
+        <a:ea typeface="+mn-ea"/>
+        <a:cs typeface="+mn-cs"/>
+      </a:defRPr>
+    </a:lvl1pPr>
+    <a:lvl2pPr marL="457200" algn="l" defTabSz="914400" rtl="0" eaLnBrk="1" latinLnBrk="0" hangingPunct="1">
+      <a:defRPr sz="1200" kern="1200">
+        <a:solidFill>
+          <a:schemeClr val="tx1"/>
+        </a:solidFill>
+        <a:latin typeface="+mn-lt"/>
+        <a:ea typeface="+mn-ea"/>
+        <a:cs typeface="+mn-cs"/>
+      </a:defRPr>
+    </a:lvl2pPr>
+    <a:lvl3pPr marL="914400" algn="l" defTabSz="914400" rtl="0" eaLnBrk="1" latinLnBrk="0" hangingPunct="1">
+      <a:defRPr sz="1200" kern="1200">
+        <a:solidFill>
+          <a:schemeClr val="tx1"/>
+        </a:solidFill>
+        <a:latin typeface="+mn-lt"/>
+        <a:ea typeface="+mn-ea"/>
+        <a:cs typeface="+mn-cs"/>
+      </a:defRPr>
+    </a:lvl3pPr>
+    <a:lvl4pPr marL="1371600" algn="l" defTabSz="914400" rtl="0" eaLnBrk="1" latinLnBrk="0" hangingPunct="1">
+      <a:defRPr sz="1200" kern="1200">
+        <a:solidFill>
+          <a:schemeClr val="tx1"/>
+        </a:solidFill>
+        <a:latin typeface="+mn-lt"/>
+        <a:ea typeface="+mn-ea"/>
+        <a:cs typeface="+mn-cs"/>
+      </a:defRPr>
+    </a:lvl4pPr>
+    <a:lvl5pPr marL="1828800" algn="l" defTabSz="914400" rtl="0" eaLnBrk="1" latinLnBrk="0" hangingPunct="1">
+      <a:defRPr sz="1200" kern="1200">
+        <a:solidFill>
+          <a:schemeClr val="tx1"/>
+        </a:solidFill>
+        <a:latin typeface="+mn-lt"/>
+        <a:ea typeface="+mn-ea"/>
+        <a:cs typeface="+mn-cs"/>
+      </a:defRPr>
+    </a:lvl5pPr>
+    <a:lvl6pPr marL="2286000" algn="l" defTabSz="914400" rtl="0" eaLnBrk="1" latinLnBrk="0" hangingPunct="1">
+      <a:defRPr sz="1200" kern="1200">
+        <a:solidFill>
+          <a:schemeClr val="tx1"/>
+        </a:solidFill>
+        <a:latin typeface="+mn-lt"/>
+        <a:ea typeface="+mn-ea"/>
+        <a:cs typeface="+mn-cs"/>
+      </a:defRPr>
+    </a:lvl6pPr>
+    <a:lvl7pPr marL="2743200" algn="l" defTabSz="914400" rtl="0" eaLnBrk="1" latinLnBrk="0" hangingPunct="1">
+      <a:defRPr sz="1200" kern="1200">
+        <a:solidFill>
+          <a:schemeClr val="tx1"/>
+        </a:solidFill>
+        <a:latin typeface="+mn-lt"/>
+        <a:ea typeface="+mn-ea"/>
+        <a:cs typeface="+mn-cs"/>
+      </a:defRPr>
+    </a:lvl7pPr>
+    <a:lvl8pPr marL="3200400" algn="l" defTabSz="914400" rtl="0" eaLnBrk="1" latinLnBrk="0" hangingPunct="1">
+      <a:defRPr sz="1200" kern="1200">
+        <a:solidFill>
+          <a:schemeClr val="tx1"/>
+        </a:solidFill>
+        <a:latin typeface="+mn-lt"/>
+        <a:ea typeface="+mn-ea"/>
+        <a:cs typeface="+mn-cs"/>
+      </a:defRPr>
+    </a:lvl8pPr>
+    <a:lvl9pPr marL="3657600" algn="l" defTabSz="914400" rtl="0" eaLnBrk="1" latinLnBrk="0" hangingPunct="1">
+      <a:defRPr sz="1200" kern="1200">
+        <a:solidFill>
+          <a:schemeClr val="tx1"/>
+        </a:solidFill>
+        <a:latin typeface="+mn-lt"/>
+        <a:ea typeface="+mn-ea"/>
+        <a:cs typeface="+mn-cs"/>
+      </a:defRPr>
+    </a:lvl9pPr>
+  </p:notesStyle>
+</p:notesMaster>
+</file>
+
+<file path=ppt/notesSlides/notesSlide1.xml><?xml version="1.0" encoding="utf-8"?>
+<p:notes xmlns:a="http://schemas.openxmlformats.org/drawingml/2006/main" xmlns:r="http://schemas.openxmlformats.org/officeDocument/2006/relationships" xmlns:p="http://schemas.openxmlformats.org/presentationml/2006/main">
+  <p:cSld>
+    <p:spTree>
+      <p:nvGrpSpPr>
+        <p:cNvPr id="1" name=""/>
+        <p:cNvGrpSpPr/>
+        <p:nvPr/>
+      </p:nvGrpSpPr>
+      <p:grpSpPr>
+        <a:xfrm>
+          <a:off x="0" y="0"/>
+          <a:ext cx="0" cy="0"/>
+          <a:chOff x="0" y="0"/>
+          <a:chExt cx="0" cy="0"/>
+        </a:xfrm>
+      </p:grpSpPr>
+      <p:sp>
+        <p:nvSpPr>
+          <p:cNvPr id="2" name="Slide Image Placeholder 1"/>
+          <p:cNvSpPr>
+            <a:spLocks noGrp="1" noRot="1" noChangeAspect="1"/>
+          </p:cNvSpPr>
+          <p:nvPr>
+            <p:ph type="sldImg"/>
+          </p:nvPr>
+        </p:nvSpPr>
+        <p:spPr/>
+      </p:sp>
+      <p:sp>
+        <p:nvSpPr>
+          <p:cNvPr id="3" name="Notes Placeholder 2"/>
+          <p:cNvSpPr>
+            <a:spLocks noGrp="1"/>
+          </p:cNvSpPr>
+          <p:nvPr>
+            <p:ph type="body" idx="1"/>
+          </p:nvPr>
+        </p:nvSpPr>
+        <p:spPr/>
+        <p:txBody>
+          <a:bodyPr/>
+          <a:lstStyle/>
+          <a:p>
+            <a:r>
+              <a:rPr lang="en-SG" dirty="0" err="1"/>
+              <a:t>william</a:t>
+            </a:r>
+            <a:endParaRPr lang="en-SG" dirty="0"/>
+          </a:p>
+        </p:txBody>
+      </p:sp>
+      <p:sp>
+        <p:nvSpPr>
+          <p:cNvPr id="4" name="Slide Number Placeholder 3"/>
+          <p:cNvSpPr>
+            <a:spLocks noGrp="1"/>
+          </p:cNvSpPr>
+          <p:nvPr>
+            <p:ph type="sldNum" sz="quarter" idx="10"/>
+          </p:nvPr>
+        </p:nvSpPr>
+        <p:spPr/>
+        <p:txBody>
+          <a:bodyPr/>
+          <a:lstStyle/>
+          <a:p>
+            <a:fld id="{4D8388EC-2208-4933-8AC0-4CDA50E0E74E}" type="slidenum">
+              <a:rPr lang="en-SG" smtClean="0"/>
+              <a:t>1</a:t>
+            </a:fld>
+            <a:endParaRPr lang="en-SG"/>
+          </a:p>
+        </p:txBody>
+      </p:sp>
+    </p:spTree>
+    <p:extLst>
+      <p:ext uri="{BB962C8B-B14F-4D97-AF65-F5344CB8AC3E}">
+        <p14:creationId xmlns:p14="http://schemas.microsoft.com/office/powerpoint/2010/main" val="3230769119"/>
+      </p:ext>
+    </p:extLst>
+  </p:cSld>
+  <p:clrMapOvr>
+    <a:masterClrMapping/>
+  </p:clrMapOvr>
+</p:notes>
+</file>
+
+<file path=ppt/notesSlides/notesSlide10.xml><?xml version="1.0" encoding="utf-8"?>
+<p:notes xmlns:a="http://schemas.openxmlformats.org/drawingml/2006/main" xmlns:r="http://schemas.openxmlformats.org/officeDocument/2006/relationships" xmlns:p="http://schemas.openxmlformats.org/presentationml/2006/main">
+  <p:cSld>
+    <p:spTree>
+      <p:nvGrpSpPr>
+        <p:cNvPr id="1" name=""/>
+        <p:cNvGrpSpPr/>
+        <p:nvPr/>
+      </p:nvGrpSpPr>
+      <p:grpSpPr>
+        <a:xfrm>
+          <a:off x="0" y="0"/>
+          <a:ext cx="0" cy="0"/>
+          <a:chOff x="0" y="0"/>
+          <a:chExt cx="0" cy="0"/>
+        </a:xfrm>
+      </p:grpSpPr>
+      <p:sp>
+        <p:nvSpPr>
+          <p:cNvPr id="2" name="Slide Image Placeholder 1"/>
+          <p:cNvSpPr>
+            <a:spLocks noGrp="1" noRot="1" noChangeAspect="1"/>
+          </p:cNvSpPr>
+          <p:nvPr>
+            <p:ph type="sldImg"/>
+          </p:nvPr>
+        </p:nvSpPr>
+        <p:spPr/>
+      </p:sp>
+      <p:sp>
+        <p:nvSpPr>
+          <p:cNvPr id="3" name="Notes Placeholder 2"/>
+          <p:cNvSpPr>
+            <a:spLocks noGrp="1"/>
+          </p:cNvSpPr>
+          <p:nvPr>
+            <p:ph type="body" idx="1"/>
+          </p:nvPr>
+        </p:nvSpPr>
+        <p:spPr/>
+        <p:txBody>
+          <a:bodyPr/>
+          <a:lstStyle/>
+          <a:p>
+            <a:r>
+              <a:rPr lang="en-SG" dirty="0" err="1"/>
+              <a:t>jacob</a:t>
+            </a:r>
+            <a:endParaRPr lang="en-SG" dirty="0"/>
+          </a:p>
+        </p:txBody>
+      </p:sp>
+      <p:sp>
+        <p:nvSpPr>
+          <p:cNvPr id="4" name="Slide Number Placeholder 3"/>
+          <p:cNvSpPr>
+            <a:spLocks noGrp="1"/>
+          </p:cNvSpPr>
+          <p:nvPr>
+            <p:ph type="sldNum" sz="quarter" idx="10"/>
+          </p:nvPr>
+        </p:nvSpPr>
+        <p:spPr/>
+        <p:txBody>
+          <a:bodyPr/>
+          <a:lstStyle/>
+          <a:p>
+            <a:fld id="{4D8388EC-2208-4933-8AC0-4CDA50E0E74E}" type="slidenum">
+              <a:rPr lang="en-SG" smtClean="0"/>
+              <a:t>10</a:t>
+            </a:fld>
+            <a:endParaRPr lang="en-SG"/>
+          </a:p>
+        </p:txBody>
+      </p:sp>
+    </p:spTree>
+    <p:extLst>
+      <p:ext uri="{BB962C8B-B14F-4D97-AF65-F5344CB8AC3E}">
+        <p14:creationId xmlns:p14="http://schemas.microsoft.com/office/powerpoint/2010/main" val="2892611647"/>
+      </p:ext>
+    </p:extLst>
+  </p:cSld>
+  <p:clrMapOvr>
+    <a:masterClrMapping/>
+  </p:clrMapOvr>
+</p:notes>
+</file>
+
+<file path=ppt/notesSlides/notesSlide11.xml><?xml version="1.0" encoding="utf-8"?>
+<p:notes xmlns:a="http://schemas.openxmlformats.org/drawingml/2006/main" xmlns:r="http://schemas.openxmlformats.org/officeDocument/2006/relationships" xmlns:p="http://schemas.openxmlformats.org/presentationml/2006/main">
+  <p:cSld>
+    <p:spTree>
+      <p:nvGrpSpPr>
+        <p:cNvPr id="1" name=""/>
+        <p:cNvGrpSpPr/>
+        <p:nvPr/>
+      </p:nvGrpSpPr>
+      <p:grpSpPr>
+        <a:xfrm>
+          <a:off x="0" y="0"/>
+          <a:ext cx="0" cy="0"/>
+          <a:chOff x="0" y="0"/>
+          <a:chExt cx="0" cy="0"/>
+        </a:xfrm>
+      </p:grpSpPr>
+      <p:sp>
+        <p:nvSpPr>
+          <p:cNvPr id="2" name="Slide Image Placeholder 1"/>
+          <p:cNvSpPr>
+            <a:spLocks noGrp="1" noRot="1" noChangeAspect="1"/>
+          </p:cNvSpPr>
+          <p:nvPr>
+            <p:ph type="sldImg"/>
+          </p:nvPr>
+        </p:nvSpPr>
+        <p:spPr/>
+      </p:sp>
+      <p:sp>
+        <p:nvSpPr>
+          <p:cNvPr id="3" name="Notes Placeholder 2"/>
+          <p:cNvSpPr>
+            <a:spLocks noGrp="1"/>
+          </p:cNvSpPr>
+          <p:nvPr>
+            <p:ph type="body" idx="1"/>
+          </p:nvPr>
+        </p:nvSpPr>
+        <p:spPr/>
+        <p:txBody>
+          <a:bodyPr/>
+          <a:lstStyle/>
+          <a:p>
+            <a:r>
+              <a:rPr lang="en-SG" dirty="0" err="1"/>
+              <a:t>jacob</a:t>
+            </a:r>
+            <a:endParaRPr lang="en-SG" dirty="0"/>
+          </a:p>
+        </p:txBody>
+      </p:sp>
+      <p:sp>
+        <p:nvSpPr>
+          <p:cNvPr id="4" name="Slide Number Placeholder 3"/>
+          <p:cNvSpPr>
+            <a:spLocks noGrp="1"/>
+          </p:cNvSpPr>
+          <p:nvPr>
+            <p:ph type="sldNum" sz="quarter" idx="10"/>
+          </p:nvPr>
+        </p:nvSpPr>
+        <p:spPr/>
+        <p:txBody>
+          <a:bodyPr/>
+          <a:lstStyle/>
+          <a:p>
+            <a:fld id="{4D8388EC-2208-4933-8AC0-4CDA50E0E74E}" type="slidenum">
+              <a:rPr lang="en-SG" smtClean="0"/>
+              <a:t>11</a:t>
+            </a:fld>
+            <a:endParaRPr lang="en-SG"/>
+          </a:p>
+        </p:txBody>
+      </p:sp>
+    </p:spTree>
+    <p:extLst>
+      <p:ext uri="{BB962C8B-B14F-4D97-AF65-F5344CB8AC3E}">
+        <p14:creationId xmlns:p14="http://schemas.microsoft.com/office/powerpoint/2010/main" val="3634647940"/>
+      </p:ext>
+    </p:extLst>
+  </p:cSld>
+  <p:clrMapOvr>
+    <a:masterClrMapping/>
+  </p:clrMapOvr>
+</p:notes>
+</file>
+
+<file path=ppt/notesSlides/notesSlide2.xml><?xml version="1.0" encoding="utf-8"?>
+<p:notes xmlns:a="http://schemas.openxmlformats.org/drawingml/2006/main" xmlns:r="http://schemas.openxmlformats.org/officeDocument/2006/relationships" xmlns:p="http://schemas.openxmlformats.org/presentationml/2006/main">
+  <p:cSld>
+    <p:spTree>
+      <p:nvGrpSpPr>
+        <p:cNvPr id="1" name=""/>
+        <p:cNvGrpSpPr/>
+        <p:nvPr/>
+      </p:nvGrpSpPr>
+      <p:grpSpPr>
+        <a:xfrm>
+          <a:off x="0" y="0"/>
+          <a:ext cx="0" cy="0"/>
+          <a:chOff x="0" y="0"/>
+          <a:chExt cx="0" cy="0"/>
+        </a:xfrm>
+      </p:grpSpPr>
+      <p:sp>
+        <p:nvSpPr>
+          <p:cNvPr id="2" name="Slide Image Placeholder 1"/>
+          <p:cNvSpPr>
+            <a:spLocks noGrp="1" noRot="1" noChangeAspect="1"/>
+          </p:cNvSpPr>
+          <p:nvPr>
+            <p:ph type="sldImg"/>
+          </p:nvPr>
+        </p:nvSpPr>
+        <p:spPr/>
+      </p:sp>
+      <p:sp>
+        <p:nvSpPr>
+          <p:cNvPr id="3" name="Notes Placeholder 2"/>
+          <p:cNvSpPr>
+            <a:spLocks noGrp="1"/>
+          </p:cNvSpPr>
+          <p:nvPr>
+            <p:ph type="body" idx="1"/>
+          </p:nvPr>
+        </p:nvSpPr>
+        <p:spPr/>
+        <p:txBody>
+          <a:bodyPr/>
+          <a:lstStyle/>
+          <a:p>
+            <a:r>
+              <a:rPr lang="en-SG" dirty="0" err="1"/>
+              <a:t>william</a:t>
+            </a:r>
+            <a:endParaRPr lang="en-SG" dirty="0"/>
+          </a:p>
+        </p:txBody>
+      </p:sp>
+      <p:sp>
+        <p:nvSpPr>
+          <p:cNvPr id="4" name="Slide Number Placeholder 3"/>
+          <p:cNvSpPr>
+            <a:spLocks noGrp="1"/>
+          </p:cNvSpPr>
+          <p:nvPr>
+            <p:ph type="sldNum" sz="quarter" idx="10"/>
+          </p:nvPr>
+        </p:nvSpPr>
+        <p:spPr/>
+        <p:txBody>
+          <a:bodyPr/>
+          <a:lstStyle/>
+          <a:p>
+            <a:fld id="{4D8388EC-2208-4933-8AC0-4CDA50E0E74E}" type="slidenum">
+              <a:rPr lang="en-SG" smtClean="0"/>
+              <a:t>2</a:t>
+            </a:fld>
+            <a:endParaRPr lang="en-SG"/>
+          </a:p>
+        </p:txBody>
+      </p:sp>
+    </p:spTree>
+    <p:extLst>
+      <p:ext uri="{BB962C8B-B14F-4D97-AF65-F5344CB8AC3E}">
+        <p14:creationId xmlns:p14="http://schemas.microsoft.com/office/powerpoint/2010/main" val="1010488129"/>
+      </p:ext>
+    </p:extLst>
+  </p:cSld>
+  <p:clrMapOvr>
+    <a:masterClrMapping/>
+  </p:clrMapOvr>
+</p:notes>
+</file>
+
+<file path=ppt/notesSlides/notesSlide3.xml><?xml version="1.0" encoding="utf-8"?>
+<p:notes xmlns:a="http://schemas.openxmlformats.org/drawingml/2006/main" xmlns:r="http://schemas.openxmlformats.org/officeDocument/2006/relationships" xmlns:p="http://schemas.openxmlformats.org/presentationml/2006/main">
+  <p:cSld>
+    <p:spTree>
+      <p:nvGrpSpPr>
+        <p:cNvPr id="1" name=""/>
+        <p:cNvGrpSpPr/>
+        <p:nvPr/>
+      </p:nvGrpSpPr>
+      <p:grpSpPr>
+        <a:xfrm>
+          <a:off x="0" y="0"/>
+          <a:ext cx="0" cy="0"/>
+          <a:chOff x="0" y="0"/>
+          <a:chExt cx="0" cy="0"/>
+        </a:xfrm>
+      </p:grpSpPr>
+      <p:sp>
+        <p:nvSpPr>
+          <p:cNvPr id="2" name="Slide Image Placeholder 1"/>
+          <p:cNvSpPr>
+            <a:spLocks noGrp="1" noRot="1" noChangeAspect="1"/>
+          </p:cNvSpPr>
+          <p:nvPr>
+            <p:ph type="sldImg"/>
+          </p:nvPr>
+        </p:nvSpPr>
+        <p:spPr/>
+      </p:sp>
+      <p:sp>
+        <p:nvSpPr>
+          <p:cNvPr id="3" name="Notes Placeholder 2"/>
+          <p:cNvSpPr>
+            <a:spLocks noGrp="1"/>
+          </p:cNvSpPr>
+          <p:nvPr>
+            <p:ph type="body" idx="1"/>
+          </p:nvPr>
+        </p:nvSpPr>
+        <p:spPr/>
+        <p:txBody>
+          <a:bodyPr/>
+          <a:lstStyle/>
+          <a:p>
+            <a:r>
+              <a:rPr lang="en-SG" dirty="0" err="1"/>
+              <a:t>william</a:t>
+            </a:r>
+            <a:endParaRPr lang="en-SG" dirty="0"/>
+          </a:p>
+        </p:txBody>
+      </p:sp>
+      <p:sp>
+        <p:nvSpPr>
+          <p:cNvPr id="4" name="Slide Number Placeholder 3"/>
+          <p:cNvSpPr>
+            <a:spLocks noGrp="1"/>
+          </p:cNvSpPr>
+          <p:nvPr>
+            <p:ph type="sldNum" sz="quarter" idx="10"/>
+          </p:nvPr>
+        </p:nvSpPr>
+        <p:spPr/>
+        <p:txBody>
+          <a:bodyPr/>
+          <a:lstStyle/>
+          <a:p>
+            <a:fld id="{4D8388EC-2208-4933-8AC0-4CDA50E0E74E}" type="slidenum">
+              <a:rPr lang="en-SG" smtClean="0"/>
+              <a:t>3</a:t>
+            </a:fld>
+            <a:endParaRPr lang="en-SG"/>
+          </a:p>
+        </p:txBody>
+      </p:sp>
+    </p:spTree>
+    <p:extLst>
+      <p:ext uri="{BB962C8B-B14F-4D97-AF65-F5344CB8AC3E}">
+        <p14:creationId xmlns:p14="http://schemas.microsoft.com/office/powerpoint/2010/main" val="1885520038"/>
+      </p:ext>
+    </p:extLst>
+  </p:cSld>
+  <p:clrMapOvr>
+    <a:masterClrMapping/>
+  </p:clrMapOvr>
+</p:notes>
+</file>
+
+<file path=ppt/notesSlides/notesSlide4.xml><?xml version="1.0" encoding="utf-8"?>
+<p:notes xmlns:a="http://schemas.openxmlformats.org/drawingml/2006/main" xmlns:r="http://schemas.openxmlformats.org/officeDocument/2006/relationships" xmlns:p="http://schemas.openxmlformats.org/presentationml/2006/main">
+  <p:cSld>
+    <p:spTree>
+      <p:nvGrpSpPr>
+        <p:cNvPr id="1" name=""/>
+        <p:cNvGrpSpPr/>
+        <p:nvPr/>
+      </p:nvGrpSpPr>
+      <p:grpSpPr>
+        <a:xfrm>
+          <a:off x="0" y="0"/>
+          <a:ext cx="0" cy="0"/>
+          <a:chOff x="0" y="0"/>
+          <a:chExt cx="0" cy="0"/>
+        </a:xfrm>
+      </p:grpSpPr>
+      <p:sp>
+        <p:nvSpPr>
+          <p:cNvPr id="2" name="Slide Image Placeholder 1"/>
+          <p:cNvSpPr>
+            <a:spLocks noGrp="1" noRot="1" noChangeAspect="1"/>
+          </p:cNvSpPr>
+          <p:nvPr>
+            <p:ph type="sldImg"/>
+          </p:nvPr>
+        </p:nvSpPr>
+        <p:spPr/>
+      </p:sp>
+      <p:sp>
+        <p:nvSpPr>
+          <p:cNvPr id="3" name="Notes Placeholder 2"/>
+          <p:cNvSpPr>
+            <a:spLocks noGrp="1"/>
+          </p:cNvSpPr>
+          <p:nvPr>
+            <p:ph type="body" idx="1"/>
+          </p:nvPr>
+        </p:nvSpPr>
+        <p:spPr/>
+        <p:txBody>
+          <a:bodyPr/>
+          <a:lstStyle/>
+          <a:p>
+            <a:r>
+              <a:rPr lang="en-SG" dirty="0" err="1"/>
+              <a:t>andrew</a:t>
+            </a:r>
+            <a:endParaRPr lang="en-SG" dirty="0"/>
+          </a:p>
+        </p:txBody>
+      </p:sp>
+      <p:sp>
+        <p:nvSpPr>
+          <p:cNvPr id="4" name="Slide Number Placeholder 3"/>
+          <p:cNvSpPr>
+            <a:spLocks noGrp="1"/>
+          </p:cNvSpPr>
+          <p:nvPr>
+            <p:ph type="sldNum" sz="quarter" idx="10"/>
+          </p:nvPr>
+        </p:nvSpPr>
+        <p:spPr/>
+        <p:txBody>
+          <a:bodyPr/>
+          <a:lstStyle/>
+          <a:p>
+            <a:fld id="{4D8388EC-2208-4933-8AC0-4CDA50E0E74E}" type="slidenum">
+              <a:rPr lang="en-SG" smtClean="0"/>
+              <a:t>4</a:t>
+            </a:fld>
+            <a:endParaRPr lang="en-SG"/>
+          </a:p>
+        </p:txBody>
+      </p:sp>
+    </p:spTree>
+    <p:extLst>
+      <p:ext uri="{BB962C8B-B14F-4D97-AF65-F5344CB8AC3E}">
+        <p14:creationId xmlns:p14="http://schemas.microsoft.com/office/powerpoint/2010/main" val="2203985325"/>
+      </p:ext>
+    </p:extLst>
+  </p:cSld>
+  <p:clrMapOvr>
+    <a:masterClrMapping/>
+  </p:clrMapOvr>
+</p:notes>
+</file>
+
+<file path=ppt/notesSlides/notesSlide5.xml><?xml version="1.0" encoding="utf-8"?>
+<p:notes xmlns:a="http://schemas.openxmlformats.org/drawingml/2006/main" xmlns:r="http://schemas.openxmlformats.org/officeDocument/2006/relationships" xmlns:p="http://schemas.openxmlformats.org/presentationml/2006/main">
+  <p:cSld>
+    <p:spTree>
+      <p:nvGrpSpPr>
+        <p:cNvPr id="1" name=""/>
+        <p:cNvGrpSpPr/>
+        <p:nvPr/>
+      </p:nvGrpSpPr>
+      <p:grpSpPr>
+        <a:xfrm>
+          <a:off x="0" y="0"/>
+          <a:ext cx="0" cy="0"/>
+          <a:chOff x="0" y="0"/>
+          <a:chExt cx="0" cy="0"/>
+        </a:xfrm>
+      </p:grpSpPr>
+      <p:sp>
+        <p:nvSpPr>
+          <p:cNvPr id="2" name="Slide Image Placeholder 1"/>
+          <p:cNvSpPr>
+            <a:spLocks noGrp="1" noRot="1" noChangeAspect="1"/>
+          </p:cNvSpPr>
+          <p:nvPr>
+            <p:ph type="sldImg"/>
+          </p:nvPr>
+        </p:nvSpPr>
+        <p:spPr/>
+      </p:sp>
+      <p:sp>
+        <p:nvSpPr>
+          <p:cNvPr id="3" name="Notes Placeholder 2"/>
+          <p:cNvSpPr>
+            <a:spLocks noGrp="1"/>
+          </p:cNvSpPr>
+          <p:nvPr>
+            <p:ph type="body" idx="1"/>
+          </p:nvPr>
+        </p:nvSpPr>
+        <p:spPr/>
+        <p:txBody>
+          <a:bodyPr/>
+          <a:lstStyle/>
+          <a:p>
+            <a:r>
+              <a:rPr lang="en-SG" dirty="0" err="1"/>
+              <a:t>andrew</a:t>
+            </a:r>
+            <a:endParaRPr lang="en-SG" dirty="0"/>
+          </a:p>
+        </p:txBody>
+      </p:sp>
+      <p:sp>
+        <p:nvSpPr>
+          <p:cNvPr id="4" name="Slide Number Placeholder 3"/>
+          <p:cNvSpPr>
+            <a:spLocks noGrp="1"/>
+          </p:cNvSpPr>
+          <p:nvPr>
+            <p:ph type="sldNum" sz="quarter" idx="10"/>
+          </p:nvPr>
+        </p:nvSpPr>
+        <p:spPr/>
+        <p:txBody>
+          <a:bodyPr/>
+          <a:lstStyle/>
+          <a:p>
+            <a:fld id="{4D8388EC-2208-4933-8AC0-4CDA50E0E74E}" type="slidenum">
+              <a:rPr lang="en-SG" smtClean="0"/>
+              <a:t>5</a:t>
+            </a:fld>
+            <a:endParaRPr lang="en-SG"/>
+          </a:p>
+        </p:txBody>
+      </p:sp>
+    </p:spTree>
+    <p:extLst>
+      <p:ext uri="{BB962C8B-B14F-4D97-AF65-F5344CB8AC3E}">
+        <p14:creationId xmlns:p14="http://schemas.microsoft.com/office/powerpoint/2010/main" val="4200794531"/>
+      </p:ext>
+    </p:extLst>
+  </p:cSld>
+  <p:clrMapOvr>
+    <a:masterClrMapping/>
+  </p:clrMapOvr>
+</p:notes>
+</file>
+
+<file path=ppt/notesSlides/notesSlide6.xml><?xml version="1.0" encoding="utf-8"?>
+<p:notes xmlns:a="http://schemas.openxmlformats.org/drawingml/2006/main" xmlns:r="http://schemas.openxmlformats.org/officeDocument/2006/relationships" xmlns:p="http://schemas.openxmlformats.org/presentationml/2006/main">
+  <p:cSld>
+    <p:spTree>
+      <p:nvGrpSpPr>
+        <p:cNvPr id="1" name=""/>
+        <p:cNvGrpSpPr/>
+        <p:nvPr/>
+      </p:nvGrpSpPr>
+      <p:grpSpPr>
+        <a:xfrm>
+          <a:off x="0" y="0"/>
+          <a:ext cx="0" cy="0"/>
+          <a:chOff x="0" y="0"/>
+          <a:chExt cx="0" cy="0"/>
+        </a:xfrm>
+      </p:grpSpPr>
+      <p:sp>
+        <p:nvSpPr>
+          <p:cNvPr id="2" name="Slide Image Placeholder 1"/>
+          <p:cNvSpPr>
+            <a:spLocks noGrp="1" noRot="1" noChangeAspect="1"/>
+          </p:cNvSpPr>
+          <p:nvPr>
+            <p:ph type="sldImg"/>
+          </p:nvPr>
+        </p:nvSpPr>
+        <p:spPr/>
+      </p:sp>
+      <p:sp>
+        <p:nvSpPr>
+          <p:cNvPr id="3" name="Notes Placeholder 2"/>
+          <p:cNvSpPr>
+            <a:spLocks noGrp="1"/>
+          </p:cNvSpPr>
+          <p:nvPr>
+            <p:ph type="body" idx="1"/>
+          </p:nvPr>
+        </p:nvSpPr>
+        <p:spPr/>
+        <p:txBody>
+          <a:bodyPr/>
+          <a:lstStyle/>
+          <a:p>
+            <a:r>
+              <a:rPr lang="en-SG" dirty="0" err="1"/>
+              <a:t>andrew</a:t>
+            </a:r>
+            <a:endParaRPr lang="en-SG" dirty="0"/>
+          </a:p>
+        </p:txBody>
+      </p:sp>
+      <p:sp>
+        <p:nvSpPr>
+          <p:cNvPr id="4" name="Slide Number Placeholder 3"/>
+          <p:cNvSpPr>
+            <a:spLocks noGrp="1"/>
+          </p:cNvSpPr>
+          <p:nvPr>
+            <p:ph type="sldNum" sz="quarter" idx="10"/>
+          </p:nvPr>
+        </p:nvSpPr>
+        <p:spPr/>
+        <p:txBody>
+          <a:bodyPr/>
+          <a:lstStyle/>
+          <a:p>
+            <a:fld id="{4D8388EC-2208-4933-8AC0-4CDA50E0E74E}" type="slidenum">
+              <a:rPr lang="en-SG" smtClean="0"/>
+              <a:t>6</a:t>
+            </a:fld>
+            <a:endParaRPr lang="en-SG"/>
+          </a:p>
+        </p:txBody>
+      </p:sp>
+    </p:spTree>
+    <p:extLst>
+      <p:ext uri="{BB962C8B-B14F-4D97-AF65-F5344CB8AC3E}">
+        <p14:creationId xmlns:p14="http://schemas.microsoft.com/office/powerpoint/2010/main" val="1964443982"/>
+      </p:ext>
+    </p:extLst>
+  </p:cSld>
+  <p:clrMapOvr>
+    <a:masterClrMapping/>
+  </p:clrMapOvr>
+</p:notes>
+</file>
+
+<file path=ppt/notesSlides/notesSlide7.xml><?xml version="1.0" encoding="utf-8"?>
+<p:notes xmlns:a="http://schemas.openxmlformats.org/drawingml/2006/main" xmlns:r="http://schemas.openxmlformats.org/officeDocument/2006/relationships" xmlns:p="http://schemas.openxmlformats.org/presentationml/2006/main">
+  <p:cSld>
+    <p:spTree>
+      <p:nvGrpSpPr>
+        <p:cNvPr id="1" name=""/>
+        <p:cNvGrpSpPr/>
+        <p:nvPr/>
+      </p:nvGrpSpPr>
+      <p:grpSpPr>
+        <a:xfrm>
+          <a:off x="0" y="0"/>
+          <a:ext cx="0" cy="0"/>
+          <a:chOff x="0" y="0"/>
+          <a:chExt cx="0" cy="0"/>
+        </a:xfrm>
+      </p:grpSpPr>
+      <p:sp>
+        <p:nvSpPr>
+          <p:cNvPr id="2" name="Slide Image Placeholder 1"/>
+          <p:cNvSpPr>
+            <a:spLocks noGrp="1" noRot="1" noChangeAspect="1"/>
+          </p:cNvSpPr>
+          <p:nvPr>
+            <p:ph type="sldImg"/>
+          </p:nvPr>
+        </p:nvSpPr>
+        <p:spPr/>
+      </p:sp>
+      <p:sp>
+        <p:nvSpPr>
+          <p:cNvPr id="3" name="Notes Placeholder 2"/>
+          <p:cNvSpPr>
+            <a:spLocks noGrp="1"/>
+          </p:cNvSpPr>
+          <p:nvPr>
+            <p:ph type="body" idx="1"/>
+          </p:nvPr>
+        </p:nvSpPr>
+        <p:spPr/>
+        <p:txBody>
+          <a:bodyPr/>
+          <a:lstStyle/>
+          <a:p>
+            <a:r>
+              <a:rPr lang="en-SG" dirty="0" err="1"/>
+              <a:t>javon</a:t>
+            </a:r>
+            <a:endParaRPr lang="en-SG" dirty="0"/>
+          </a:p>
+        </p:txBody>
+      </p:sp>
+      <p:sp>
+        <p:nvSpPr>
+          <p:cNvPr id="4" name="Slide Number Placeholder 3"/>
+          <p:cNvSpPr>
+            <a:spLocks noGrp="1"/>
+          </p:cNvSpPr>
+          <p:nvPr>
+            <p:ph type="sldNum" sz="quarter" idx="10"/>
+          </p:nvPr>
+        </p:nvSpPr>
+        <p:spPr/>
+        <p:txBody>
+          <a:bodyPr/>
+          <a:lstStyle/>
+          <a:p>
+            <a:fld id="{4D8388EC-2208-4933-8AC0-4CDA50E0E74E}" type="slidenum">
+              <a:rPr lang="en-SG" smtClean="0"/>
+              <a:t>7</a:t>
+            </a:fld>
+            <a:endParaRPr lang="en-SG"/>
+          </a:p>
+        </p:txBody>
+      </p:sp>
+    </p:spTree>
+    <p:extLst>
+      <p:ext uri="{BB962C8B-B14F-4D97-AF65-F5344CB8AC3E}">
+        <p14:creationId xmlns:p14="http://schemas.microsoft.com/office/powerpoint/2010/main" val="773518381"/>
+      </p:ext>
+    </p:extLst>
+  </p:cSld>
+  <p:clrMapOvr>
+    <a:masterClrMapping/>
+  </p:clrMapOvr>
+</p:notes>
+</file>
+
+<file path=ppt/notesSlides/notesSlide8.xml><?xml version="1.0" encoding="utf-8"?>
+<p:notes xmlns:a="http://schemas.openxmlformats.org/drawingml/2006/main" xmlns:r="http://schemas.openxmlformats.org/officeDocument/2006/relationships" xmlns:p="http://schemas.openxmlformats.org/presentationml/2006/main">
+  <p:cSld>
+    <p:spTree>
+      <p:nvGrpSpPr>
+        <p:cNvPr id="1" name=""/>
+        <p:cNvGrpSpPr/>
+        <p:nvPr/>
+      </p:nvGrpSpPr>
+      <p:grpSpPr>
+        <a:xfrm>
+          <a:off x="0" y="0"/>
+          <a:ext cx="0" cy="0"/>
+          <a:chOff x="0" y="0"/>
+          <a:chExt cx="0" cy="0"/>
+        </a:xfrm>
+      </p:grpSpPr>
+      <p:sp>
+        <p:nvSpPr>
+          <p:cNvPr id="2" name="Slide Image Placeholder 1"/>
+          <p:cNvSpPr>
+            <a:spLocks noGrp="1" noRot="1" noChangeAspect="1"/>
+          </p:cNvSpPr>
+          <p:nvPr>
+            <p:ph type="sldImg"/>
+          </p:nvPr>
+        </p:nvSpPr>
+        <p:spPr/>
+      </p:sp>
+      <p:sp>
+        <p:nvSpPr>
+          <p:cNvPr id="3" name="Notes Placeholder 2"/>
+          <p:cNvSpPr>
+            <a:spLocks noGrp="1"/>
+          </p:cNvSpPr>
+          <p:nvPr>
+            <p:ph type="body" idx="1"/>
+          </p:nvPr>
+        </p:nvSpPr>
+        <p:spPr/>
+        <p:txBody>
+          <a:bodyPr/>
+          <a:lstStyle/>
+          <a:p>
+            <a:r>
+              <a:rPr lang="en-SG" dirty="0" err="1"/>
+              <a:t>javon</a:t>
+            </a:r>
+            <a:endParaRPr lang="en-SG" dirty="0"/>
+          </a:p>
+        </p:txBody>
+      </p:sp>
+      <p:sp>
+        <p:nvSpPr>
+          <p:cNvPr id="4" name="Slide Number Placeholder 3"/>
+          <p:cNvSpPr>
+            <a:spLocks noGrp="1"/>
+          </p:cNvSpPr>
+          <p:nvPr>
+            <p:ph type="sldNum" sz="quarter" idx="10"/>
+          </p:nvPr>
+        </p:nvSpPr>
+        <p:spPr/>
+        <p:txBody>
+          <a:bodyPr/>
+          <a:lstStyle/>
+          <a:p>
+            <a:fld id="{4D8388EC-2208-4933-8AC0-4CDA50E0E74E}" type="slidenum">
+              <a:rPr lang="en-SG" smtClean="0"/>
+              <a:t>8</a:t>
+            </a:fld>
+            <a:endParaRPr lang="en-SG"/>
+          </a:p>
+        </p:txBody>
+      </p:sp>
+    </p:spTree>
+    <p:extLst>
+      <p:ext uri="{BB962C8B-B14F-4D97-AF65-F5344CB8AC3E}">
+        <p14:creationId xmlns:p14="http://schemas.microsoft.com/office/powerpoint/2010/main" val="3765525740"/>
+      </p:ext>
+    </p:extLst>
+  </p:cSld>
+  <p:clrMapOvr>
+    <a:masterClrMapping/>
+  </p:clrMapOvr>
+</p:notes>
+</file>
+
+<file path=ppt/notesSlides/notesSlide9.xml><?xml version="1.0" encoding="utf-8"?>
+<p:notes xmlns:a="http://schemas.openxmlformats.org/drawingml/2006/main" xmlns:r="http://schemas.openxmlformats.org/officeDocument/2006/relationships" xmlns:p="http://schemas.openxmlformats.org/presentationml/2006/main">
+  <p:cSld>
+    <p:spTree>
+      <p:nvGrpSpPr>
+        <p:cNvPr id="1" name=""/>
+        <p:cNvGrpSpPr/>
+        <p:nvPr/>
+      </p:nvGrpSpPr>
+      <p:grpSpPr>
+        <a:xfrm>
+          <a:off x="0" y="0"/>
+          <a:ext cx="0" cy="0"/>
+          <a:chOff x="0" y="0"/>
+          <a:chExt cx="0" cy="0"/>
+        </a:xfrm>
+      </p:grpSpPr>
+      <p:sp>
+        <p:nvSpPr>
+          <p:cNvPr id="2" name="Slide Image Placeholder 1"/>
+          <p:cNvSpPr>
+            <a:spLocks noGrp="1" noRot="1" noChangeAspect="1"/>
+          </p:cNvSpPr>
+          <p:nvPr>
+            <p:ph type="sldImg"/>
+          </p:nvPr>
+        </p:nvSpPr>
+        <p:spPr/>
+      </p:sp>
+      <p:sp>
+        <p:nvSpPr>
+          <p:cNvPr id="3" name="Notes Placeholder 2"/>
+          <p:cNvSpPr>
+            <a:spLocks noGrp="1"/>
+          </p:cNvSpPr>
+          <p:nvPr>
+            <p:ph type="body" idx="1"/>
+          </p:nvPr>
+        </p:nvSpPr>
+        <p:spPr/>
+        <p:txBody>
+          <a:bodyPr/>
+          <a:lstStyle/>
+          <a:p>
+            <a:r>
+              <a:rPr lang="en-SG" dirty="0" err="1"/>
+              <a:t>jacob</a:t>
+            </a:r>
+            <a:endParaRPr lang="en-SG" dirty="0"/>
+          </a:p>
+        </p:txBody>
+      </p:sp>
+      <p:sp>
+        <p:nvSpPr>
+          <p:cNvPr id="4" name="Slide Number Placeholder 3"/>
+          <p:cNvSpPr>
+            <a:spLocks noGrp="1"/>
+          </p:cNvSpPr>
+          <p:nvPr>
+            <p:ph type="sldNum" sz="quarter" idx="10"/>
+          </p:nvPr>
+        </p:nvSpPr>
+        <p:spPr/>
+        <p:txBody>
+          <a:bodyPr/>
+          <a:lstStyle/>
+          <a:p>
+            <a:fld id="{4D8388EC-2208-4933-8AC0-4CDA50E0E74E}" type="slidenum">
+              <a:rPr lang="en-SG" smtClean="0"/>
+              <a:t>9</a:t>
+            </a:fld>
+            <a:endParaRPr lang="en-SG"/>
+          </a:p>
+        </p:txBody>
+      </p:sp>
+    </p:spTree>
+    <p:extLst>
+      <p:ext uri="{BB962C8B-B14F-4D97-AF65-F5344CB8AC3E}">
+        <p14:creationId xmlns:p14="http://schemas.microsoft.com/office/powerpoint/2010/main" val="1989535299"/>
+      </p:ext>
+    </p:extLst>
+  </p:cSld>
+  <p:clrMapOvr>
+    <a:masterClrMapping/>
+  </p:clrMapOvr>
+</p:notes>
 </file>
 
 <file path=ppt/slideLayouts/slideLayout1.xml><?xml version="1.0" encoding="utf-8"?>
@@ -412,7 +1755,7 @@
           </a:lstStyle>
           <a:p>
             <a:r>
-              <a:rPr kumimoji="0" lang="en-US" altLang="ja-JP" smtClean="0"/>
+              <a:rPr kumimoji="0" lang="en-US" altLang="ja-JP"/>
               <a:t>Click to edit Master title style</a:t>
             </a:r>
             <a:endParaRPr kumimoji="0" lang="en-US"/>
@@ -476,7 +1819,7 @@
           </a:lstStyle>
           <a:p>
             <a:r>
-              <a:rPr kumimoji="0" lang="en-US" altLang="ja-JP" smtClean="0"/>
+              <a:rPr kumimoji="0" lang="en-US" altLang="ja-JP"/>
               <a:t>Click to edit Master subtitle style</a:t>
             </a:r>
             <a:endParaRPr kumimoji="0" lang="en-US"/>
@@ -500,7 +1843,7 @@
           <a:p>
             <a:fld id="{70FBEA30-9533-4FBF-B75E-0EAE675AD569}" type="datetimeFigureOut">
               <a:rPr kumimoji="1" lang="ja-JP" altLang="en-US" smtClean="0"/>
-              <a:t>2018/1/22</a:t>
+              <a:t>2018/1/23</a:t>
             </a:fld>
             <a:endParaRPr kumimoji="1" lang="ja-JP" altLang="en-US"/>
           </a:p>
@@ -589,7 +1932,7 @@
           <a:lstStyle/>
           <a:p>
             <a:r>
-              <a:rPr kumimoji="0" lang="en-US" altLang="ja-JP" smtClean="0"/>
+              <a:rPr kumimoji="0" lang="en-US" altLang="ja-JP"/>
               <a:t>Click to edit Master title style</a:t>
             </a:r>
             <a:endParaRPr kumimoji="0" lang="en-US"/>
@@ -613,35 +1956,35 @@
           <a:p>
             <a:pPr lvl="0" eaLnBrk="1" latinLnBrk="0" hangingPunct="1"/>
             <a:r>
-              <a:rPr lang="en-US" altLang="ja-JP" smtClean="0"/>
+              <a:rPr lang="en-US" altLang="ja-JP"/>
               <a:t>Click to edit Master text styles</a:t>
             </a:r>
           </a:p>
           <a:p>
             <a:pPr lvl="1" eaLnBrk="1" latinLnBrk="0" hangingPunct="1"/>
             <a:r>
-              <a:rPr lang="en-US" altLang="ja-JP" smtClean="0"/>
+              <a:rPr lang="en-US" altLang="ja-JP"/>
               <a:t>Second level</a:t>
             </a:r>
           </a:p>
           <a:p>
             <a:pPr lvl="2" eaLnBrk="1" latinLnBrk="0" hangingPunct="1"/>
             <a:r>
-              <a:rPr lang="en-US" altLang="ja-JP" smtClean="0"/>
+              <a:rPr lang="en-US" altLang="ja-JP"/>
               <a:t>Third level</a:t>
             </a:r>
           </a:p>
           <a:p>
             <a:pPr lvl="3" eaLnBrk="1" latinLnBrk="0" hangingPunct="1"/>
             <a:r>
-              <a:rPr lang="en-US" altLang="ja-JP" smtClean="0"/>
+              <a:rPr lang="en-US" altLang="ja-JP"/>
               <a:t>Fourth level</a:t>
             </a:r>
           </a:p>
           <a:p>
             <a:pPr lvl="4" eaLnBrk="1" latinLnBrk="0" hangingPunct="1"/>
             <a:r>
-              <a:rPr lang="en-US" altLang="ja-JP" smtClean="0"/>
+              <a:rPr lang="en-US" altLang="ja-JP"/>
               <a:t>Fifth level</a:t>
             </a:r>
             <a:endParaRPr kumimoji="0" lang="en-US"/>
@@ -665,7 +2008,7 @@
           <a:p>
             <a:fld id="{70FBEA30-9533-4FBF-B75E-0EAE675AD569}" type="datetimeFigureOut">
               <a:rPr kumimoji="1" lang="ja-JP" altLang="en-US" smtClean="0"/>
-              <a:t>2018/1/22</a:t>
+              <a:t>2018/1/23</a:t>
             </a:fld>
             <a:endParaRPr kumimoji="1" lang="ja-JP" altLang="en-US"/>
           </a:p>
@@ -759,7 +2102,7 @@
           <a:lstStyle/>
           <a:p>
             <a:r>
-              <a:rPr kumimoji="0" lang="en-US" altLang="ja-JP" smtClean="0"/>
+              <a:rPr kumimoji="0" lang="en-US" altLang="ja-JP"/>
               <a:t>Click to edit Master title style</a:t>
             </a:r>
             <a:endParaRPr kumimoji="0" lang="en-US"/>
@@ -788,35 +2131,35 @@
           <a:p>
             <a:pPr lvl="0" eaLnBrk="1" latinLnBrk="0" hangingPunct="1"/>
             <a:r>
-              <a:rPr lang="en-US" altLang="ja-JP" smtClean="0"/>
+              <a:rPr lang="en-US" altLang="ja-JP"/>
               <a:t>Click to edit Master text styles</a:t>
             </a:r>
           </a:p>
           <a:p>
             <a:pPr lvl="1" eaLnBrk="1" latinLnBrk="0" hangingPunct="1"/>
             <a:r>
-              <a:rPr lang="en-US" altLang="ja-JP" smtClean="0"/>
+              <a:rPr lang="en-US" altLang="ja-JP"/>
               <a:t>Second level</a:t>
             </a:r>
           </a:p>
           <a:p>
             <a:pPr lvl="2" eaLnBrk="1" latinLnBrk="0" hangingPunct="1"/>
             <a:r>
-              <a:rPr lang="en-US" altLang="ja-JP" smtClean="0"/>
+              <a:rPr lang="en-US" altLang="ja-JP"/>
               <a:t>Third level</a:t>
             </a:r>
           </a:p>
           <a:p>
             <a:pPr lvl="3" eaLnBrk="1" latinLnBrk="0" hangingPunct="1"/>
             <a:r>
-              <a:rPr lang="en-US" altLang="ja-JP" smtClean="0"/>
+              <a:rPr lang="en-US" altLang="ja-JP"/>
               <a:t>Fourth level</a:t>
             </a:r>
           </a:p>
           <a:p>
             <a:pPr lvl="4" eaLnBrk="1" latinLnBrk="0" hangingPunct="1"/>
             <a:r>
-              <a:rPr lang="en-US" altLang="ja-JP" smtClean="0"/>
+              <a:rPr lang="en-US" altLang="ja-JP"/>
               <a:t>Fifth level</a:t>
             </a:r>
             <a:endParaRPr kumimoji="0" lang="en-US"/>
@@ -840,7 +2183,7 @@
           <a:p>
             <a:fld id="{70FBEA30-9533-4FBF-B75E-0EAE675AD569}" type="datetimeFigureOut">
               <a:rPr kumimoji="1" lang="ja-JP" altLang="en-US" smtClean="0"/>
-              <a:t>2018/1/22</a:t>
+              <a:t>2018/1/23</a:t>
             </a:fld>
             <a:endParaRPr kumimoji="1" lang="ja-JP" altLang="en-US"/>
           </a:p>
@@ -933,7 +2276,7 @@
           </a:lstStyle>
           <a:p>
             <a:r>
-              <a:rPr kumimoji="0" lang="en-US" altLang="ja-JP" smtClean="0"/>
+              <a:rPr kumimoji="0" lang="en-US" altLang="ja-JP"/>
               <a:t>Click to edit Master title style</a:t>
             </a:r>
             <a:endParaRPr kumimoji="0" lang="en-US"/>
@@ -957,35 +2300,35 @@
           <a:p>
             <a:pPr lvl="0" eaLnBrk="1" latinLnBrk="0" hangingPunct="1"/>
             <a:r>
-              <a:rPr lang="en-US" altLang="ja-JP" smtClean="0"/>
+              <a:rPr lang="en-US" altLang="ja-JP"/>
               <a:t>Click to edit Master text styles</a:t>
             </a:r>
           </a:p>
           <a:p>
             <a:pPr lvl="1" eaLnBrk="1" latinLnBrk="0" hangingPunct="1"/>
             <a:r>
-              <a:rPr lang="en-US" altLang="ja-JP" smtClean="0"/>
+              <a:rPr lang="en-US" altLang="ja-JP"/>
               <a:t>Second level</a:t>
             </a:r>
           </a:p>
           <a:p>
             <a:pPr lvl="2" eaLnBrk="1" latinLnBrk="0" hangingPunct="1"/>
             <a:r>
-              <a:rPr lang="en-US" altLang="ja-JP" smtClean="0"/>
+              <a:rPr lang="en-US" altLang="ja-JP"/>
               <a:t>Third level</a:t>
             </a:r>
           </a:p>
           <a:p>
             <a:pPr lvl="3" eaLnBrk="1" latinLnBrk="0" hangingPunct="1"/>
             <a:r>
-              <a:rPr lang="en-US" altLang="ja-JP" smtClean="0"/>
+              <a:rPr lang="en-US" altLang="ja-JP"/>
               <a:t>Fourth level</a:t>
             </a:r>
           </a:p>
           <a:p>
             <a:pPr lvl="4" eaLnBrk="1" latinLnBrk="0" hangingPunct="1"/>
             <a:r>
-              <a:rPr lang="en-US" altLang="ja-JP" smtClean="0"/>
+              <a:rPr lang="en-US" altLang="ja-JP"/>
               <a:t>Fifth level</a:t>
             </a:r>
             <a:endParaRPr kumimoji="0" lang="en-US"/>
@@ -1009,7 +2352,7 @@
           <a:p>
             <a:fld id="{70FBEA30-9533-4FBF-B75E-0EAE675AD569}" type="datetimeFigureOut">
               <a:rPr kumimoji="1" lang="ja-JP" altLang="en-US" smtClean="0"/>
-              <a:t>2018/1/22</a:t>
+              <a:t>2018/1/23</a:t>
             </a:fld>
             <a:endParaRPr kumimoji="1" lang="ja-JP" altLang="en-US"/>
           </a:p>
@@ -1362,7 +2705,7 @@
           </a:lstStyle>
           <a:p>
             <a:r>
-              <a:rPr kumimoji="0" lang="en-US" altLang="ja-JP" smtClean="0"/>
+              <a:rPr kumimoji="0" lang="en-US" altLang="ja-JP"/>
               <a:t>Click to edit Master title style</a:t>
             </a:r>
             <a:endParaRPr kumimoji="0" lang="en-US"/>
@@ -1441,7 +2784,7 @@
           <a:p>
             <a:pPr lvl="0" eaLnBrk="1" latinLnBrk="0" hangingPunct="1"/>
             <a:r>
-              <a:rPr kumimoji="0" lang="en-US" altLang="ja-JP" smtClean="0"/>
+              <a:rPr kumimoji="0" lang="en-US" altLang="ja-JP"/>
               <a:t>Click to edit Master text styles</a:t>
             </a:r>
           </a:p>
@@ -1464,7 +2807,7 @@
           <a:p>
             <a:fld id="{70FBEA30-9533-4FBF-B75E-0EAE675AD569}" type="datetimeFigureOut">
               <a:rPr kumimoji="1" lang="ja-JP" altLang="en-US" smtClean="0"/>
-              <a:t>2018/1/22</a:t>
+              <a:t>2018/1/23</a:t>
             </a:fld>
             <a:endParaRPr kumimoji="1" lang="ja-JP" altLang="en-US"/>
           </a:p>
@@ -1558,7 +2901,7 @@
           <a:lstStyle/>
           <a:p>
             <a:r>
-              <a:rPr kumimoji="0" lang="en-US" altLang="ja-JP" smtClean="0"/>
+              <a:rPr kumimoji="0" lang="en-US" altLang="ja-JP"/>
               <a:t>Click to edit Master title style</a:t>
             </a:r>
             <a:endParaRPr kumimoji="0" lang="en-US"/>
@@ -1603,35 +2946,35 @@
           <a:p>
             <a:pPr lvl="0" eaLnBrk="1" latinLnBrk="0" hangingPunct="1"/>
             <a:r>
-              <a:rPr lang="en-US" altLang="ja-JP" smtClean="0"/>
+              <a:rPr lang="en-US" altLang="ja-JP"/>
               <a:t>Click to edit Master text styles</a:t>
             </a:r>
           </a:p>
           <a:p>
             <a:pPr lvl="1" eaLnBrk="1" latinLnBrk="0" hangingPunct="1"/>
             <a:r>
-              <a:rPr lang="en-US" altLang="ja-JP" smtClean="0"/>
+              <a:rPr lang="en-US" altLang="ja-JP"/>
               <a:t>Second level</a:t>
             </a:r>
           </a:p>
           <a:p>
             <a:pPr lvl="2" eaLnBrk="1" latinLnBrk="0" hangingPunct="1"/>
             <a:r>
-              <a:rPr lang="en-US" altLang="ja-JP" smtClean="0"/>
+              <a:rPr lang="en-US" altLang="ja-JP"/>
               <a:t>Third level</a:t>
             </a:r>
           </a:p>
           <a:p>
             <a:pPr lvl="3" eaLnBrk="1" latinLnBrk="0" hangingPunct="1"/>
             <a:r>
-              <a:rPr lang="en-US" altLang="ja-JP" smtClean="0"/>
+              <a:rPr lang="en-US" altLang="ja-JP"/>
               <a:t>Fourth level</a:t>
             </a:r>
           </a:p>
           <a:p>
             <a:pPr lvl="4" eaLnBrk="1" latinLnBrk="0" hangingPunct="1"/>
             <a:r>
-              <a:rPr lang="en-US" altLang="ja-JP" smtClean="0"/>
+              <a:rPr lang="en-US" altLang="ja-JP"/>
               <a:t>Fifth level</a:t>
             </a:r>
             <a:endParaRPr kumimoji="0" lang="en-US"/>
@@ -1676,35 +3019,35 @@
           <a:p>
             <a:pPr lvl="0" eaLnBrk="1" latinLnBrk="0" hangingPunct="1"/>
             <a:r>
-              <a:rPr lang="en-US" altLang="ja-JP" smtClean="0"/>
+              <a:rPr lang="en-US" altLang="ja-JP"/>
               <a:t>Click to edit Master text styles</a:t>
             </a:r>
           </a:p>
           <a:p>
             <a:pPr lvl="1" eaLnBrk="1" latinLnBrk="0" hangingPunct="1"/>
             <a:r>
-              <a:rPr lang="en-US" altLang="ja-JP" smtClean="0"/>
+              <a:rPr lang="en-US" altLang="ja-JP"/>
               <a:t>Second level</a:t>
             </a:r>
           </a:p>
           <a:p>
             <a:pPr lvl="2" eaLnBrk="1" latinLnBrk="0" hangingPunct="1"/>
             <a:r>
-              <a:rPr lang="en-US" altLang="ja-JP" smtClean="0"/>
+              <a:rPr lang="en-US" altLang="ja-JP"/>
               <a:t>Third level</a:t>
             </a:r>
           </a:p>
           <a:p>
             <a:pPr lvl="3" eaLnBrk="1" latinLnBrk="0" hangingPunct="1"/>
             <a:r>
-              <a:rPr lang="en-US" altLang="ja-JP" smtClean="0"/>
+              <a:rPr lang="en-US" altLang="ja-JP"/>
               <a:t>Fourth level</a:t>
             </a:r>
           </a:p>
           <a:p>
             <a:pPr lvl="4" eaLnBrk="1" latinLnBrk="0" hangingPunct="1"/>
             <a:r>
-              <a:rPr lang="en-US" altLang="ja-JP" smtClean="0"/>
+              <a:rPr lang="en-US" altLang="ja-JP"/>
               <a:t>Fifth level</a:t>
             </a:r>
             <a:endParaRPr kumimoji="0" lang="en-US"/>
@@ -1728,7 +3071,7 @@
           <a:p>
             <a:fld id="{70FBEA30-9533-4FBF-B75E-0EAE675AD569}" type="datetimeFigureOut">
               <a:rPr kumimoji="1" lang="ja-JP" altLang="en-US" smtClean="0"/>
-              <a:t>2018/1/22</a:t>
+              <a:t>2018/1/23</a:t>
             </a:fld>
             <a:endParaRPr kumimoji="1" lang="ja-JP" altLang="en-US"/>
           </a:p>
@@ -1826,7 +3169,7 @@
           </a:lstStyle>
           <a:p>
             <a:r>
-              <a:rPr kumimoji="0" lang="en-US" altLang="ja-JP" smtClean="0"/>
+              <a:rPr kumimoji="0" lang="en-US" altLang="ja-JP"/>
               <a:t>Click to edit Master title style</a:t>
             </a:r>
             <a:endParaRPr kumimoji="0" lang="en-US"/>
@@ -1880,7 +3223,7 @@
           <a:p>
             <a:pPr lvl="0" eaLnBrk="1" latinLnBrk="0" hangingPunct="1"/>
             <a:r>
-              <a:rPr kumimoji="0" lang="en-US" altLang="ja-JP" smtClean="0"/>
+              <a:rPr kumimoji="0" lang="en-US" altLang="ja-JP"/>
               <a:t>Click to edit Master text styles</a:t>
             </a:r>
           </a:p>
@@ -1933,7 +3276,7 @@
           <a:p>
             <a:pPr lvl="0" eaLnBrk="1" latinLnBrk="0" hangingPunct="1"/>
             <a:r>
-              <a:rPr kumimoji="0" lang="en-US" altLang="ja-JP" smtClean="0"/>
+              <a:rPr kumimoji="0" lang="en-US" altLang="ja-JP"/>
               <a:t>Click to edit Master text styles</a:t>
             </a:r>
           </a:p>
@@ -1977,35 +3320,35 @@
           <a:p>
             <a:pPr lvl="0" eaLnBrk="1" latinLnBrk="0" hangingPunct="1"/>
             <a:r>
-              <a:rPr lang="en-US" altLang="ja-JP" smtClean="0"/>
+              <a:rPr lang="en-US" altLang="ja-JP"/>
               <a:t>Click to edit Master text styles</a:t>
             </a:r>
           </a:p>
           <a:p>
             <a:pPr lvl="1" eaLnBrk="1" latinLnBrk="0" hangingPunct="1"/>
             <a:r>
-              <a:rPr lang="en-US" altLang="ja-JP" smtClean="0"/>
+              <a:rPr lang="en-US" altLang="ja-JP"/>
               <a:t>Second level</a:t>
             </a:r>
           </a:p>
           <a:p>
             <a:pPr lvl="2" eaLnBrk="1" latinLnBrk="0" hangingPunct="1"/>
             <a:r>
-              <a:rPr lang="en-US" altLang="ja-JP" smtClean="0"/>
+              <a:rPr lang="en-US" altLang="ja-JP"/>
               <a:t>Third level</a:t>
             </a:r>
           </a:p>
           <a:p>
             <a:pPr lvl="3" eaLnBrk="1" latinLnBrk="0" hangingPunct="1"/>
             <a:r>
-              <a:rPr lang="en-US" altLang="ja-JP" smtClean="0"/>
+              <a:rPr lang="en-US" altLang="ja-JP"/>
               <a:t>Fourth level</a:t>
             </a:r>
           </a:p>
           <a:p>
             <a:pPr lvl="4" eaLnBrk="1" latinLnBrk="0" hangingPunct="1"/>
             <a:r>
-              <a:rPr lang="en-US" altLang="ja-JP" smtClean="0"/>
+              <a:rPr lang="en-US" altLang="ja-JP"/>
               <a:t>Fifth level</a:t>
             </a:r>
             <a:endParaRPr kumimoji="0" lang="en-US"/>
@@ -2050,35 +3393,35 @@
           <a:p>
             <a:pPr lvl="0" eaLnBrk="1" latinLnBrk="0" hangingPunct="1"/>
             <a:r>
-              <a:rPr lang="en-US" altLang="ja-JP" smtClean="0"/>
+              <a:rPr lang="en-US" altLang="ja-JP"/>
               <a:t>Click to edit Master text styles</a:t>
             </a:r>
           </a:p>
           <a:p>
             <a:pPr lvl="1" eaLnBrk="1" latinLnBrk="0" hangingPunct="1"/>
             <a:r>
-              <a:rPr lang="en-US" altLang="ja-JP" smtClean="0"/>
+              <a:rPr lang="en-US" altLang="ja-JP"/>
               <a:t>Second level</a:t>
             </a:r>
           </a:p>
           <a:p>
             <a:pPr lvl="2" eaLnBrk="1" latinLnBrk="0" hangingPunct="1"/>
             <a:r>
-              <a:rPr lang="en-US" altLang="ja-JP" smtClean="0"/>
+              <a:rPr lang="en-US" altLang="ja-JP"/>
               <a:t>Third level</a:t>
             </a:r>
           </a:p>
           <a:p>
             <a:pPr lvl="3" eaLnBrk="1" latinLnBrk="0" hangingPunct="1"/>
             <a:r>
-              <a:rPr lang="en-US" altLang="ja-JP" smtClean="0"/>
+              <a:rPr lang="en-US" altLang="ja-JP"/>
               <a:t>Fourth level</a:t>
             </a:r>
           </a:p>
           <a:p>
             <a:pPr lvl="4" eaLnBrk="1" latinLnBrk="0" hangingPunct="1"/>
             <a:r>
-              <a:rPr lang="en-US" altLang="ja-JP" smtClean="0"/>
+              <a:rPr lang="en-US" altLang="ja-JP"/>
               <a:t>Fifth level</a:t>
             </a:r>
             <a:endParaRPr kumimoji="0" lang="en-US"/>
@@ -2102,7 +3445,7 @@
           <a:p>
             <a:fld id="{70FBEA30-9533-4FBF-B75E-0EAE675AD569}" type="datetimeFigureOut">
               <a:rPr kumimoji="1" lang="ja-JP" altLang="en-US" smtClean="0"/>
-              <a:t>2018/1/22</a:t>
+              <a:t>2018/1/23</a:t>
             </a:fld>
             <a:endParaRPr kumimoji="1" lang="ja-JP" altLang="en-US"/>
           </a:p>
@@ -2200,7 +3543,7 @@
           </a:lstStyle>
           <a:p>
             <a:r>
-              <a:rPr kumimoji="0" lang="en-US" altLang="ja-JP" smtClean="0"/>
+              <a:rPr kumimoji="0" lang="en-US" altLang="ja-JP"/>
               <a:t>Click to edit Master title style</a:t>
             </a:r>
             <a:endParaRPr kumimoji="0" lang="en-US"/>
@@ -2224,7 +3567,7 @@
           <a:p>
             <a:fld id="{70FBEA30-9533-4FBF-B75E-0EAE675AD569}" type="datetimeFigureOut">
               <a:rPr kumimoji="1" lang="ja-JP" altLang="en-US" smtClean="0"/>
-              <a:t>2018/1/22</a:t>
+              <a:t>2018/1/23</a:t>
             </a:fld>
             <a:endParaRPr kumimoji="1" lang="ja-JP" altLang="en-US"/>
           </a:p>
@@ -2314,7 +3657,7 @@
           <a:p>
             <a:fld id="{70FBEA30-9533-4FBF-B75E-0EAE675AD569}" type="datetimeFigureOut">
               <a:rPr kumimoji="1" lang="ja-JP" altLang="en-US" smtClean="0"/>
-              <a:t>2018/1/22</a:t>
+              <a:t>2018/1/23</a:t>
             </a:fld>
             <a:endParaRPr kumimoji="1" lang="ja-JP" altLang="en-US"/>
           </a:p>
@@ -2417,7 +3760,7 @@
           </a:lstStyle>
           <a:p>
             <a:r>
-              <a:rPr kumimoji="0" lang="en-US" altLang="ja-JP" smtClean="0"/>
+              <a:rPr kumimoji="0" lang="en-US" altLang="ja-JP"/>
               <a:t>Click to edit Master title style</a:t>
             </a:r>
             <a:endParaRPr kumimoji="0" lang="en-US"/>
@@ -2467,7 +3810,7 @@
           <a:p>
             <a:pPr lvl="0" eaLnBrk="1" latinLnBrk="0" hangingPunct="1"/>
             <a:r>
-              <a:rPr kumimoji="0" lang="en-US" altLang="ja-JP" smtClean="0"/>
+              <a:rPr kumimoji="0" lang="en-US" altLang="ja-JP"/>
               <a:t>Click to edit Master text styles</a:t>
             </a:r>
           </a:p>
@@ -2511,35 +3854,35 @@
           <a:p>
             <a:pPr lvl="0" eaLnBrk="1" latinLnBrk="0" hangingPunct="1"/>
             <a:r>
-              <a:rPr lang="en-US" altLang="ja-JP" smtClean="0"/>
+              <a:rPr lang="en-US" altLang="ja-JP"/>
               <a:t>Click to edit Master text styles</a:t>
             </a:r>
           </a:p>
           <a:p>
             <a:pPr lvl="1" eaLnBrk="1" latinLnBrk="0" hangingPunct="1"/>
             <a:r>
-              <a:rPr lang="en-US" altLang="ja-JP" smtClean="0"/>
+              <a:rPr lang="en-US" altLang="ja-JP"/>
               <a:t>Second level</a:t>
             </a:r>
           </a:p>
           <a:p>
             <a:pPr lvl="2" eaLnBrk="1" latinLnBrk="0" hangingPunct="1"/>
             <a:r>
-              <a:rPr lang="en-US" altLang="ja-JP" smtClean="0"/>
+              <a:rPr lang="en-US" altLang="ja-JP"/>
               <a:t>Third level</a:t>
             </a:r>
           </a:p>
           <a:p>
             <a:pPr lvl="3" eaLnBrk="1" latinLnBrk="0" hangingPunct="1"/>
             <a:r>
-              <a:rPr lang="en-US" altLang="ja-JP" smtClean="0"/>
+              <a:rPr lang="en-US" altLang="ja-JP"/>
               <a:t>Fourth level</a:t>
             </a:r>
           </a:p>
           <a:p>
             <a:pPr lvl="4" eaLnBrk="1" latinLnBrk="0" hangingPunct="1"/>
             <a:r>
-              <a:rPr lang="en-US" altLang="ja-JP" smtClean="0"/>
+              <a:rPr lang="en-US" altLang="ja-JP"/>
               <a:t>Fifth level</a:t>
             </a:r>
             <a:endParaRPr kumimoji="0" lang="en-US"/>
@@ -2563,7 +3906,7 @@
           <a:p>
             <a:fld id="{70FBEA30-9533-4FBF-B75E-0EAE675AD569}" type="datetimeFigureOut">
               <a:rPr kumimoji="1" lang="ja-JP" altLang="en-US" smtClean="0"/>
-              <a:t>2018/1/22</a:t>
+              <a:t>2018/1/23</a:t>
             </a:fld>
             <a:endParaRPr kumimoji="1" lang="ja-JP" altLang="en-US"/>
           </a:p>
@@ -2671,7 +4014,7 @@
           </a:lstStyle>
           <a:p>
             <a:r>
-              <a:rPr kumimoji="0" lang="en-US" altLang="ja-JP" smtClean="0"/>
+              <a:rPr kumimoji="0" lang="en-US" altLang="ja-JP"/>
               <a:t>Click to edit Master title style</a:t>
             </a:r>
             <a:endParaRPr kumimoji="0" lang="en-US"/>
@@ -2739,7 +4082,7 @@
           </a:lstStyle>
           <a:p>
             <a:r>
-              <a:rPr kumimoji="0" lang="en-US" altLang="ja-JP" smtClean="0"/>
+              <a:rPr kumimoji="0" lang="en-US" altLang="ja-JP"/>
               <a:t>Click icon to add picture</a:t>
             </a:r>
             <a:endParaRPr kumimoji="0" lang="en-US" dirty="0"/>
@@ -2794,7 +4137,7 @@
           <a:p>
             <a:pPr lvl="0" eaLnBrk="1" latinLnBrk="0" hangingPunct="1"/>
             <a:r>
-              <a:rPr kumimoji="0" lang="en-US" altLang="ja-JP" smtClean="0"/>
+              <a:rPr kumimoji="0" lang="en-US" altLang="ja-JP"/>
               <a:t>Click to edit Master text styles</a:t>
             </a:r>
           </a:p>
@@ -2822,7 +4165,7 @@
           <a:p>
             <a:fld id="{70FBEA30-9533-4FBF-B75E-0EAE675AD569}" type="datetimeFigureOut">
               <a:rPr kumimoji="1" lang="ja-JP" altLang="en-US" smtClean="0"/>
-              <a:t>2018/1/22</a:t>
+              <a:t>2018/1/23</a:t>
             </a:fld>
             <a:endParaRPr kumimoji="1" lang="ja-JP" altLang="en-US"/>
           </a:p>
@@ -3122,7 +4465,7 @@
           <a:lstStyle/>
           <a:p>
             <a:r>
-              <a:rPr kumimoji="0" lang="en-US" altLang="ja-JP" smtClean="0"/>
+              <a:rPr kumimoji="0" lang="en-US" altLang="ja-JP"/>
               <a:t>Click to edit Master title style</a:t>
             </a:r>
             <a:endParaRPr kumimoji="0" lang="en-US"/>
@@ -3156,35 +4499,35 @@
           <a:p>
             <a:pPr lvl="0" eaLnBrk="1" latinLnBrk="0" hangingPunct="1"/>
             <a:r>
-              <a:rPr kumimoji="0" lang="en-US" altLang="ja-JP" smtClean="0"/>
+              <a:rPr kumimoji="0" lang="en-US" altLang="ja-JP"/>
               <a:t>Click to edit Master text styles</a:t>
             </a:r>
           </a:p>
           <a:p>
             <a:pPr lvl="1" eaLnBrk="1" latinLnBrk="0" hangingPunct="1"/>
             <a:r>
-              <a:rPr kumimoji="0" lang="en-US" altLang="ja-JP" smtClean="0"/>
+              <a:rPr kumimoji="0" lang="en-US" altLang="ja-JP"/>
               <a:t>Second level</a:t>
             </a:r>
           </a:p>
           <a:p>
             <a:pPr lvl="2" eaLnBrk="1" latinLnBrk="0" hangingPunct="1"/>
             <a:r>
-              <a:rPr kumimoji="0" lang="en-US" altLang="ja-JP" smtClean="0"/>
+              <a:rPr kumimoji="0" lang="en-US" altLang="ja-JP"/>
               <a:t>Third level</a:t>
             </a:r>
           </a:p>
           <a:p>
             <a:pPr lvl="3" eaLnBrk="1" latinLnBrk="0" hangingPunct="1"/>
             <a:r>
-              <a:rPr kumimoji="0" lang="en-US" altLang="ja-JP" smtClean="0"/>
+              <a:rPr kumimoji="0" lang="en-US" altLang="ja-JP"/>
               <a:t>Fourth level</a:t>
             </a:r>
           </a:p>
           <a:p>
             <a:pPr lvl="4" eaLnBrk="1" latinLnBrk="0" hangingPunct="1"/>
             <a:r>
-              <a:rPr kumimoji="0" lang="en-US" altLang="ja-JP" smtClean="0"/>
+              <a:rPr kumimoji="0" lang="en-US" altLang="ja-JP"/>
               <a:t>Fifth level</a:t>
             </a:r>
             <a:endParaRPr kumimoji="0" lang="en-US"/>
@@ -3226,7 +4569,7 @@
           <a:p>
             <a:fld id="{70FBEA30-9533-4FBF-B75E-0EAE675AD569}" type="datetimeFigureOut">
               <a:rPr kumimoji="1" lang="ja-JP" altLang="en-US" smtClean="0"/>
-              <a:t>2018/1/22</a:t>
+              <a:t>2018/1/23</a:t>
             </a:fld>
             <a:endParaRPr kumimoji="1" lang="ja-JP" altLang="en-US"/>
           </a:p>
@@ -3642,21 +4985,21 @@
           <a:lstStyle/>
           <a:p>
             <a:r>
-              <a:rPr lang="en-US" altLang="ja-JP" dirty="0" smtClean="0"/>
+              <a:rPr lang="en-US" altLang="ja-JP" dirty="0"/>
               <a:t>D-Sync</a:t>
             </a:r>
             <a:br>
-              <a:rPr lang="en-US" altLang="ja-JP" dirty="0" smtClean="0"/>
+              <a:rPr lang="en-US" altLang="ja-JP" dirty="0"/>
             </a:br>
             <a:r>
-              <a:rPr lang="en-US" altLang="ja-JP" dirty="0" smtClean="0"/>
+              <a:rPr lang="en-US" altLang="ja-JP" dirty="0"/>
               <a:t>Presents</a:t>
             </a:r>
             <a:br>
-              <a:rPr lang="en-US" altLang="ja-JP" dirty="0" smtClean="0"/>
+              <a:rPr lang="en-US" altLang="ja-JP" dirty="0"/>
             </a:br>
             <a:r>
-              <a:rPr lang="en-US" altLang="ja-JP" dirty="0" smtClean="0"/>
+              <a:rPr lang="en-US" altLang="ja-JP" dirty="0"/>
               <a:t>Dragon Attack</a:t>
             </a:r>
             <a:endParaRPr kumimoji="1" lang="ja-JP" altLang="en-US" dirty="0"/>
@@ -3686,7 +5029,7 @@
           <a:lstStyle/>
           <a:p>
             <a:r>
-              <a:rPr kumimoji="1" lang="en-US" altLang="ja-JP" sz="1600" dirty="0" smtClean="0"/>
+              <a:rPr kumimoji="1" lang="en-US" altLang="ja-JP" sz="1600" dirty="0"/>
               <a:t>Game Designer – Andrew Chong</a:t>
             </a:r>
             <a:endParaRPr kumimoji="1" lang="ja-JP" altLang="en-US" sz="1600" dirty="0"/>
@@ -3716,15 +5059,15 @@
           <a:lstStyle/>
           <a:p>
             <a:r>
-              <a:rPr kumimoji="1" lang="en-US" altLang="ja-JP" sz="1600" dirty="0" smtClean="0"/>
+              <a:rPr kumimoji="1" lang="en-US" altLang="ja-JP" sz="1600" dirty="0"/>
               <a:t>Technical Lead  - </a:t>
             </a:r>
             <a:r>
-              <a:rPr kumimoji="1" lang="en-US" altLang="ja-JP" sz="1600" dirty="0" err="1" smtClean="0"/>
+              <a:rPr kumimoji="1" lang="en-US" altLang="ja-JP" sz="1600" dirty="0" err="1"/>
               <a:t>Javon</a:t>
             </a:r>
             <a:r>
-              <a:rPr kumimoji="1" lang="en-US" altLang="ja-JP" sz="1600" dirty="0" smtClean="0"/>
+              <a:rPr kumimoji="1" lang="en-US" altLang="ja-JP" sz="1600" dirty="0"/>
               <a:t> Lee</a:t>
             </a:r>
             <a:endParaRPr kumimoji="1" lang="ja-JP" altLang="en-US" sz="1600" dirty="0"/>
@@ -3754,7 +5097,7 @@
           <a:lstStyle/>
           <a:p>
             <a:r>
-              <a:rPr kumimoji="1" lang="en-US" altLang="ja-JP" sz="1600" dirty="0" smtClean="0"/>
+              <a:rPr kumimoji="1" lang="en-US" altLang="ja-JP" sz="1600" dirty="0"/>
               <a:t>Product Manager – William Yoong</a:t>
             </a:r>
             <a:endParaRPr kumimoji="1" lang="ja-JP" altLang="en-US" sz="1600" dirty="0"/>
@@ -3784,7 +5127,7 @@
           <a:lstStyle/>
           <a:p>
             <a:r>
-              <a:rPr kumimoji="1" lang="en-US" altLang="ja-JP" sz="1600" dirty="0" smtClean="0"/>
+              <a:rPr kumimoji="1" lang="en-US" altLang="ja-JP" sz="1600" dirty="0"/>
               <a:t>Producer – Jacob Lim</a:t>
             </a:r>
             <a:endParaRPr kumimoji="1" lang="ja-JP" altLang="en-US" sz="1600" dirty="0"/>
@@ -3801,13 +5144,6 @@
   <p:clrMapOvr>
     <a:masterClrMapping/>
   </p:clrMapOvr>
-  <p:timing>
-    <p:tnLst>
-      <p:par>
-        <p:cTn id="1" dur="indefinite" restart="never" nodeType="tmRoot"/>
-      </p:par>
-    </p:tnLst>
-  </p:timing>
 </p:sld>
 </file>
 
@@ -3844,8 +5180,8 @@
           <a:lstStyle/>
           <a:p>
             <a:r>
-              <a:rPr kumimoji="1" lang="en-US" altLang="ja-JP" dirty="0" smtClean="0"/>
-              <a:t>Q&amp;A</a:t>
+              <a:rPr lang="en-US" altLang="ja-JP" dirty="0"/>
+              <a:t>Risk and Mitigation</a:t>
             </a:r>
             <a:endParaRPr kumimoji="1" lang="ja-JP" altLang="en-US" dirty="0"/>
           </a:p>
@@ -3866,7 +5202,46 @@
           <a:bodyPr/>
           <a:lstStyle/>
           <a:p>
-            <a:endParaRPr kumimoji="1" lang="ja-JP" altLang="en-US"/>
+            <a:r>
+              <a:rPr kumimoji="1" lang="en-SG" altLang="ja-JP" dirty="0"/>
+              <a:t>AI (Technical)</a:t>
+            </a:r>
+          </a:p>
+          <a:p>
+            <a:pPr lvl="1"/>
+            <a:r>
+              <a:rPr lang="en-SG" altLang="ja-JP" dirty="0"/>
+              <a:t>Cut down number of bosses</a:t>
+            </a:r>
+          </a:p>
+          <a:p>
+            <a:r>
+              <a:rPr lang="en-SG" altLang="ja-JP" dirty="0"/>
+              <a:t>Over Scoping</a:t>
+            </a:r>
+          </a:p>
+          <a:p>
+            <a:pPr lvl="1"/>
+            <a:r>
+              <a:rPr lang="en-SG" altLang="ja-JP" dirty="0"/>
+              <a:t>Cut down low priority features</a:t>
+            </a:r>
+          </a:p>
+          <a:p>
+            <a:r>
+              <a:rPr lang="en-SG" altLang="ja-JP" dirty="0"/>
+              <a:t>Schedule Clash</a:t>
+            </a:r>
+          </a:p>
+          <a:p>
+            <a:pPr lvl="1"/>
+            <a:r>
+              <a:rPr lang="en-SG" altLang="ja-JP" dirty="0"/>
+              <a:t>Meet up more after school and weekends</a:t>
+            </a:r>
+          </a:p>
+          <a:p>
+            <a:endParaRPr lang="en-SG" altLang="ja-JP" dirty="0"/>
           </a:p>
         </p:txBody>
       </p:sp>
@@ -3880,13 +5255,162 @@
   <p:clrMapOvr>
     <a:masterClrMapping/>
   </p:clrMapOvr>
-  <p:timing>
-    <p:tnLst>
-      <p:par>
-        <p:cTn id="1" dur="indefinite" restart="never" nodeType="tmRoot"/>
-      </p:par>
-    </p:tnLst>
-  </p:timing>
+</p:sld>
+</file>
+
+<file path=ppt/slides/slide11.xml><?xml version="1.0" encoding="utf-8"?>
+<p:sld xmlns:a="http://schemas.openxmlformats.org/drawingml/2006/main" xmlns:r="http://schemas.openxmlformats.org/officeDocument/2006/relationships" xmlns:p="http://schemas.openxmlformats.org/presentationml/2006/main">
+  <p:cSld>
+    <p:spTree>
+      <p:nvGrpSpPr>
+        <p:cNvPr id="1" name=""/>
+        <p:cNvGrpSpPr/>
+        <p:nvPr/>
+      </p:nvGrpSpPr>
+      <p:grpSpPr>
+        <a:xfrm>
+          <a:off x="0" y="0"/>
+          <a:ext cx="0" cy="0"/>
+          <a:chOff x="0" y="0"/>
+          <a:chExt cx="0" cy="0"/>
+        </a:xfrm>
+      </p:grpSpPr>
+      <p:sp>
+        <p:nvSpPr>
+          <p:cNvPr id="2" name="Title 1"/>
+          <p:cNvSpPr>
+            <a:spLocks noGrp="1"/>
+          </p:cNvSpPr>
+          <p:nvPr>
+            <p:ph type="title"/>
+          </p:nvPr>
+        </p:nvSpPr>
+        <p:spPr/>
+        <p:txBody>
+          <a:bodyPr/>
+          <a:lstStyle/>
+          <a:p>
+            <a:r>
+              <a:rPr kumimoji="1" lang="en-US" altLang="ja-JP" dirty="0"/>
+              <a:t>Timeline</a:t>
+            </a:r>
+            <a:endParaRPr kumimoji="1" lang="ja-JP" altLang="en-US" dirty="0"/>
+          </a:p>
+        </p:txBody>
+      </p:sp>
+      <p:pic>
+        <p:nvPicPr>
+          <p:cNvPr id="4" name="Content Placeholder 3">
+            <a:extLst>
+              <a:ext uri="{FF2B5EF4-FFF2-40B4-BE49-F238E27FC236}">
+                <a16:creationId xmlns:a16="http://schemas.microsoft.com/office/drawing/2014/main" id="{FDC76A54-B1EC-4EB6-9DE8-482E0B48F1AE}"/>
+              </a:ext>
+            </a:extLst>
+          </p:cNvPr>
+          <p:cNvPicPr>
+            <a:picLocks noGrp="1" noChangeAspect="1"/>
+          </p:cNvPicPr>
+          <p:nvPr>
+            <p:ph idx="1"/>
+          </p:nvPr>
+        </p:nvPicPr>
+        <p:blipFill rotWithShape="1">
+          <a:blip r:embed="rId3"/>
+          <a:srcRect t="4167"/>
+          <a:stretch/>
+        </p:blipFill>
+        <p:spPr>
+          <a:xfrm>
+            <a:off x="-56259" y="1772816"/>
+            <a:ext cx="9256518" cy="3312368"/>
+          </a:xfrm>
+          <a:prstGeom prst="rect">
+            <a:avLst/>
+          </a:prstGeom>
+        </p:spPr>
+      </p:pic>
+    </p:spTree>
+    <p:extLst>
+      <p:ext uri="{BB962C8B-B14F-4D97-AF65-F5344CB8AC3E}">
+        <p14:creationId xmlns:p14="http://schemas.microsoft.com/office/powerpoint/2010/main" val="89951158"/>
+      </p:ext>
+    </p:extLst>
+  </p:cSld>
+  <p:clrMapOvr>
+    <a:masterClrMapping/>
+  </p:clrMapOvr>
+</p:sld>
+</file>
+
+<file path=ppt/slides/slide12.xml><?xml version="1.0" encoding="utf-8"?>
+<p:sld xmlns:a="http://schemas.openxmlformats.org/drawingml/2006/main" xmlns:r="http://schemas.openxmlformats.org/officeDocument/2006/relationships" xmlns:p="http://schemas.openxmlformats.org/presentationml/2006/main">
+  <p:cSld>
+    <p:spTree>
+      <p:nvGrpSpPr>
+        <p:cNvPr id="1" name=""/>
+        <p:cNvGrpSpPr/>
+        <p:nvPr/>
+      </p:nvGrpSpPr>
+      <p:grpSpPr>
+        <a:xfrm>
+          <a:off x="0" y="0"/>
+          <a:ext cx="0" cy="0"/>
+          <a:chOff x="0" y="0"/>
+          <a:chExt cx="0" cy="0"/>
+        </a:xfrm>
+      </p:grpSpPr>
+      <p:sp>
+        <p:nvSpPr>
+          <p:cNvPr id="2" name="Title 1"/>
+          <p:cNvSpPr>
+            <a:spLocks noGrp="1"/>
+          </p:cNvSpPr>
+          <p:nvPr>
+            <p:ph type="title"/>
+          </p:nvPr>
+        </p:nvSpPr>
+        <p:spPr/>
+        <p:txBody>
+          <a:bodyPr/>
+          <a:lstStyle/>
+          <a:p>
+            <a:r>
+              <a:rPr kumimoji="1" lang="en-US" altLang="ja-JP" dirty="0"/>
+              <a:t>Q&amp;A</a:t>
+            </a:r>
+            <a:endParaRPr kumimoji="1" lang="ja-JP" altLang="en-US" dirty="0"/>
+          </a:p>
+        </p:txBody>
+      </p:sp>
+      <p:sp>
+        <p:nvSpPr>
+          <p:cNvPr id="3" name="Content Placeholder 2"/>
+          <p:cNvSpPr>
+            <a:spLocks noGrp="1"/>
+          </p:cNvSpPr>
+          <p:nvPr>
+            <p:ph idx="1"/>
+          </p:nvPr>
+        </p:nvSpPr>
+        <p:spPr/>
+        <p:txBody>
+          <a:bodyPr/>
+          <a:lstStyle/>
+          <a:p>
+            <a:endParaRPr kumimoji="1" lang="ja-JP" altLang="en-US"/>
+          </a:p>
+        </p:txBody>
+      </p:sp>
+    </p:spTree>
+    <p:extLst>
+      <p:ext uri="{BB962C8B-B14F-4D97-AF65-F5344CB8AC3E}">
+        <p14:creationId xmlns:p14="http://schemas.microsoft.com/office/powerpoint/2010/main" val="2360327823"/>
+      </p:ext>
+    </p:extLst>
+  </p:cSld>
+  <p:clrMapOvr>
+    <a:masterClrMapping/>
+  </p:clrMapOvr>
 </p:sld>
 </file>
 
@@ -3923,7 +5447,7 @@
           <a:lstStyle/>
           <a:p>
             <a:r>
-              <a:rPr kumimoji="1" lang="en-US" altLang="ja-JP" dirty="0" smtClean="0"/>
+              <a:rPr kumimoji="1" lang="en-US" altLang="ja-JP" dirty="0"/>
               <a:t>Concept</a:t>
             </a:r>
             <a:endParaRPr kumimoji="1" lang="ja-JP" altLang="en-US" dirty="0"/>
@@ -3946,32 +5470,56 @@
           <a:lstStyle/>
           <a:p>
             <a:r>
-              <a:rPr kumimoji="1" lang="en-US" altLang="ja-JP" dirty="0" smtClean="0"/>
+              <a:rPr kumimoji="1" lang="en-US" altLang="ja-JP" dirty="0"/>
               <a:t>Dragon Character</a:t>
             </a:r>
           </a:p>
           <a:p>
             <a:r>
-              <a:rPr lang="en-US" altLang="ja-JP" dirty="0" smtClean="0"/>
+              <a:rPr lang="en-US" altLang="ja-JP" dirty="0"/>
               <a:t>Medieval Fantasy</a:t>
             </a:r>
           </a:p>
           <a:p>
             <a:r>
-              <a:rPr lang="en-US" altLang="ja-JP" dirty="0" smtClean="0"/>
-              <a:t>2D action </a:t>
-            </a:r>
-            <a:r>
-              <a:rPr lang="en-US" altLang="ja-JP" dirty="0" err="1" smtClean="0"/>
-              <a:t>platformer</a:t>
-            </a:r>
-            <a:endParaRPr lang="en-US" altLang="ja-JP" dirty="0" smtClean="0"/>
+              <a:rPr lang="en-US" altLang="ja-JP" dirty="0"/>
+              <a:t>2D Action Platformer</a:t>
+            </a:r>
           </a:p>
           <a:p>
             <a:endParaRPr kumimoji="1" lang="ja-JP" altLang="en-US" dirty="0"/>
           </a:p>
         </p:txBody>
       </p:sp>
+      <p:pic>
+        <p:nvPicPr>
+          <p:cNvPr id="4" name="Picture 3">
+            <a:extLst>
+              <a:ext uri="{FF2B5EF4-FFF2-40B4-BE49-F238E27FC236}">
+                <a16:creationId xmlns:a16="http://schemas.microsoft.com/office/drawing/2014/main" id="{6CFB811B-EAD6-4CDB-891A-2EA74DEB585A}"/>
+              </a:ext>
+            </a:extLst>
+          </p:cNvPr>
+          <p:cNvPicPr>
+            <a:picLocks noChangeAspect="1"/>
+          </p:cNvPicPr>
+          <p:nvPr/>
+        </p:nvPicPr>
+        <p:blipFill rotWithShape="1">
+          <a:blip r:embed="rId3"/>
+          <a:srcRect t="10738" b="10513"/>
+          <a:stretch/>
+        </p:blipFill>
+        <p:spPr>
+          <a:xfrm>
+            <a:off x="539552" y="3425390"/>
+            <a:ext cx="6809974" cy="3016573"/>
+          </a:xfrm>
+          <a:prstGeom prst="rect">
+            <a:avLst/>
+          </a:prstGeom>
+        </p:spPr>
+      </p:pic>
     </p:spTree>
     <p:extLst>
       <p:ext uri="{BB962C8B-B14F-4D97-AF65-F5344CB8AC3E}">
@@ -3982,13 +5530,6 @@
   <p:clrMapOvr>
     <a:masterClrMapping/>
   </p:clrMapOvr>
-  <p:timing>
-    <p:tnLst>
-      <p:par>
-        <p:cTn id="1" dur="indefinite" restart="never" nodeType="tmRoot"/>
-      </p:par>
-    </p:tnLst>
-  </p:timing>
 </p:sld>
 </file>
 
@@ -4025,7 +5566,7 @@
           <a:lstStyle/>
           <a:p>
             <a:r>
-              <a:rPr kumimoji="1" lang="en-US" altLang="ja-JP" dirty="0" smtClean="0"/>
+              <a:rPr kumimoji="1" lang="en-US" altLang="ja-JP" dirty="0"/>
               <a:t>Core Features</a:t>
             </a:r>
             <a:endParaRPr kumimoji="1" lang="ja-JP" altLang="en-US" dirty="0"/>
@@ -4053,37 +5594,43 @@
             </a:r>
           </a:p>
           <a:p>
-            <a:pPr lvl="1"/>
-            <a:r>
-              <a:rPr lang="en-US" altLang="ja-JP" dirty="0"/>
-              <a:t>Land mode</a:t>
-            </a:r>
-          </a:p>
-          <a:p>
-            <a:pPr lvl="1"/>
-            <a:r>
-              <a:rPr lang="en-US" altLang="ja-JP" dirty="0"/>
-              <a:t>Flight mode</a:t>
-            </a:r>
-          </a:p>
-          <a:p>
-            <a:r>
-              <a:rPr kumimoji="1" lang="en-US" altLang="ja-JP" dirty="0" err="1" smtClean="0"/>
+            <a:r>
+              <a:rPr kumimoji="1" lang="en-US" altLang="ja-JP" dirty="0"/>
               <a:t>Platformer</a:t>
             </a:r>
-            <a:endParaRPr kumimoji="1" lang="en-US" altLang="ja-JP" dirty="0" smtClean="0"/>
-          </a:p>
-          <a:p>
-            <a:r>
-              <a:rPr lang="en-US" altLang="ja-JP" dirty="0" smtClean="0"/>
-              <a:t>Score system</a:t>
-            </a:r>
-          </a:p>
-          <a:p>
-            <a:endParaRPr kumimoji="1" lang="en-US" altLang="ja-JP" dirty="0" smtClean="0"/>
-          </a:p>
-        </p:txBody>
-      </p:sp>
+          </a:p>
+        </p:txBody>
+      </p:sp>
+      <p:pic>
+        <p:nvPicPr>
+          <p:cNvPr id="4" name="Picture 3">
+            <a:extLst>
+              <a:ext uri="{FF2B5EF4-FFF2-40B4-BE49-F238E27FC236}">
+                <a16:creationId xmlns:a16="http://schemas.microsoft.com/office/drawing/2014/main" id="{6B6A10B1-15B0-462E-BD6E-1AF587866ECF}"/>
+              </a:ext>
+            </a:extLst>
+          </p:cNvPr>
+          <p:cNvPicPr>
+            <a:picLocks noChangeAspect="1"/>
+          </p:cNvPicPr>
+          <p:nvPr/>
+        </p:nvPicPr>
+        <p:blipFill>
+          <a:blip r:embed="rId3"/>
+          <a:stretch>
+            <a:fillRect/>
+          </a:stretch>
+        </p:blipFill>
+        <p:spPr>
+          <a:xfrm>
+            <a:off x="3563888" y="1700808"/>
+            <a:ext cx="5322168" cy="3725518"/>
+          </a:xfrm>
+          <a:prstGeom prst="rect">
+            <a:avLst/>
+          </a:prstGeom>
+        </p:spPr>
+      </p:pic>
     </p:spTree>
     <p:extLst>
       <p:ext uri="{BB962C8B-B14F-4D97-AF65-F5344CB8AC3E}">
@@ -4094,13 +5641,6 @@
   <p:clrMapOvr>
     <a:masterClrMapping/>
   </p:clrMapOvr>
-  <p:timing>
-    <p:tnLst>
-      <p:par>
-        <p:cTn id="1" dur="indefinite" restart="never" nodeType="tmRoot"/>
-      </p:par>
-    </p:tnLst>
-  </p:timing>
 </p:sld>
 </file>
 
@@ -4137,8 +5677,8 @@
           <a:lstStyle/>
           <a:p>
             <a:r>
-              <a:rPr kumimoji="1" lang="en-US" altLang="ja-JP" dirty="0" smtClean="0"/>
-              <a:t>Player Character</a:t>
+              <a:rPr kumimoji="1" lang="en-US" altLang="ja-JP" dirty="0"/>
+              <a:t>Player Mechanics</a:t>
             </a:r>
             <a:endParaRPr kumimoji="1" lang="ja-JP" altLang="en-US" dirty="0"/>
           </a:p>
@@ -4160,18 +5700,76 @@
           <a:lstStyle/>
           <a:p>
             <a:r>
-              <a:rPr lang="en-US" altLang="ja-JP" dirty="0" smtClean="0"/>
-              <a:t>Switch between flight and melee</a:t>
-            </a:r>
-          </a:p>
-          <a:p>
-            <a:r>
-              <a:rPr kumimoji="1" lang="en-US" altLang="ja-JP" dirty="0" smtClean="0"/>
-              <a:t>Different forms have different skills</a:t>
-            </a:r>
-          </a:p>
-        </p:txBody>
-      </p:sp>
+              <a:rPr kumimoji="1" lang="en-US" altLang="ja-JP" dirty="0"/>
+              <a:t>Movement</a:t>
+            </a:r>
+          </a:p>
+          <a:p>
+            <a:pPr lvl="1"/>
+            <a:r>
+              <a:rPr lang="en-US" altLang="ja-JP" dirty="0"/>
+              <a:t>Left or Right</a:t>
+            </a:r>
+          </a:p>
+          <a:p>
+            <a:pPr lvl="1"/>
+            <a:r>
+              <a:rPr kumimoji="1" lang="en-US" altLang="ja-JP" dirty="0"/>
+              <a:t>Jump</a:t>
+            </a:r>
+          </a:p>
+          <a:p>
+            <a:r>
+              <a:rPr lang="en-US" altLang="ja-JP" dirty="0"/>
+              <a:t>Attack</a:t>
+            </a:r>
+          </a:p>
+          <a:p>
+            <a:pPr lvl="1"/>
+            <a:r>
+              <a:rPr lang="en-US" altLang="ja-JP" dirty="0"/>
+              <a:t>Fireball</a:t>
+            </a:r>
+          </a:p>
+          <a:p>
+            <a:pPr lvl="1"/>
+            <a:r>
+              <a:rPr lang="en-US" altLang="ja-JP" dirty="0"/>
+              <a:t>Mega Fireball</a:t>
+            </a:r>
+          </a:p>
+        </p:txBody>
+      </p:sp>
+      <p:pic>
+        <p:nvPicPr>
+          <p:cNvPr id="4" name="Picture 3">
+            <a:extLst>
+              <a:ext uri="{FF2B5EF4-FFF2-40B4-BE49-F238E27FC236}">
+                <a16:creationId xmlns:a16="http://schemas.microsoft.com/office/drawing/2014/main" id="{36A91333-6776-446E-A180-631399CB5552}"/>
+              </a:ext>
+            </a:extLst>
+          </p:cNvPr>
+          <p:cNvPicPr>
+            <a:picLocks noChangeAspect="1"/>
+          </p:cNvPicPr>
+          <p:nvPr/>
+        </p:nvPicPr>
+        <p:blipFill>
+          <a:blip r:embed="rId3"/>
+          <a:stretch>
+            <a:fillRect/>
+          </a:stretch>
+        </p:blipFill>
+        <p:spPr>
+          <a:xfrm>
+            <a:off x="5436096" y="728362"/>
+            <a:ext cx="2857500" cy="2476500"/>
+          </a:xfrm>
+          <a:prstGeom prst="rect">
+            <a:avLst/>
+          </a:prstGeom>
+        </p:spPr>
+      </p:pic>
     </p:spTree>
     <p:extLst>
       <p:ext uri="{BB962C8B-B14F-4D97-AF65-F5344CB8AC3E}">
@@ -4182,13 +5780,6 @@
   <p:clrMapOvr>
     <a:masterClrMapping/>
   </p:clrMapOvr>
-  <p:timing>
-    <p:tnLst>
-      <p:par>
-        <p:cTn id="1" dur="indefinite" restart="never" nodeType="tmRoot"/>
-      </p:par>
-    </p:tnLst>
-  </p:timing>
 </p:sld>
 </file>
 
@@ -4225,8 +5816,8 @@
           <a:lstStyle/>
           <a:p>
             <a:r>
-              <a:rPr kumimoji="1" lang="en-US" altLang="ja-JP" dirty="0" smtClean="0"/>
-              <a:t>Mechanics</a:t>
+              <a:rPr kumimoji="1" lang="en-SG" altLang="ja-JP" dirty="0"/>
+              <a:t>Game Design</a:t>
             </a:r>
             <a:endParaRPr kumimoji="1" lang="ja-JP" altLang="en-US" dirty="0"/>
           </a:p>
@@ -4248,37 +5839,74 @@
           <a:lstStyle/>
           <a:p>
             <a:r>
-              <a:rPr kumimoji="1" lang="en-US" altLang="ja-JP" dirty="0" smtClean="0"/>
-              <a:t>Clearing stages</a:t>
-            </a:r>
-          </a:p>
-          <a:p>
-            <a:r>
-              <a:rPr kumimoji="1" lang="en-US" altLang="ja-JP" dirty="0" smtClean="0"/>
-              <a:t>Fighting bosses to clear current stage</a:t>
-            </a:r>
-          </a:p>
-          <a:p>
-            <a:r>
-              <a:rPr lang="en-US" altLang="ja-JP" dirty="0" smtClean="0"/>
-              <a:t>Win condition</a:t>
-            </a:r>
-          </a:p>
-          <a:p>
-            <a:r>
-              <a:rPr lang="en-US" altLang="ja-JP" dirty="0" smtClean="0"/>
-              <a:t>Hazards/puzzles </a:t>
-            </a:r>
-          </a:p>
-          <a:p>
-            <a:r>
-              <a:rPr kumimoji="1" lang="en-US" altLang="ja-JP" dirty="0" smtClean="0"/>
-              <a:t>Side scrolling</a:t>
-            </a:r>
-            <a:endParaRPr kumimoji="1" lang="ja-JP" altLang="en-US" dirty="0"/>
-          </a:p>
-        </p:txBody>
-      </p:sp>
+              <a:rPr lang="en-US" altLang="ja-JP" dirty="0"/>
+              <a:t>3 main</a:t>
+            </a:r>
+            <a:r>
+              <a:rPr kumimoji="1" lang="en-US" altLang="ja-JP" dirty="0"/>
+              <a:t> stages split into sub-stages</a:t>
+            </a:r>
+          </a:p>
+          <a:p>
+            <a:r>
+              <a:rPr lang="en-US" altLang="ja-JP" dirty="0"/>
+              <a:t>Normal mobs and boss fights</a:t>
+            </a:r>
+            <a:endParaRPr kumimoji="1" lang="en-US" altLang="ja-JP" dirty="0"/>
+          </a:p>
+          <a:p>
+            <a:r>
+              <a:rPr lang="en-US" altLang="ja-JP" dirty="0"/>
+              <a:t>Clear stages and defeat bosses to move on</a:t>
+            </a:r>
+          </a:p>
+        </p:txBody>
+      </p:sp>
+      <p:pic>
+        <p:nvPicPr>
+          <p:cNvPr id="1028" name="Picture 4" descr="Image result for megaman x gba">
+            <a:extLst>
+              <a:ext uri="{FF2B5EF4-FFF2-40B4-BE49-F238E27FC236}">
+                <a16:creationId xmlns:a16="http://schemas.microsoft.com/office/drawing/2014/main" id="{E554DB4A-415B-4A37-8E21-DCACE4A71D26}"/>
+              </a:ext>
+            </a:extLst>
+          </p:cNvPr>
+          <p:cNvPicPr>
+            <a:picLocks noChangeAspect="1" noChangeArrowheads="1"/>
+          </p:cNvPicPr>
+          <p:nvPr/>
+        </p:nvPicPr>
+        <p:blipFill rotWithShape="1">
+          <a:blip r:embed="rId3">
+            <a:extLst>
+              <a:ext uri="{28A0092B-C50C-407E-A947-70E740481C1C}">
+                <a14:useLocalDpi xmlns:a14="http://schemas.microsoft.com/office/drawing/2010/main" val="0"/>
+              </a:ext>
+            </a:extLst>
+          </a:blip>
+          <a:srcRect t="5222" b="6987"/>
+          <a:stretch/>
+        </p:blipFill>
+        <p:spPr bwMode="auto">
+          <a:xfrm>
+            <a:off x="2286000" y="3573016"/>
+            <a:ext cx="4572000" cy="3010346"/>
+          </a:xfrm>
+          <a:prstGeom prst="rect">
+            <a:avLst/>
+          </a:prstGeom>
+          <a:noFill/>
+          <a:extLst>
+            <a:ext uri="{909E8E84-426E-40DD-AFC4-6F175D3DCCD1}">
+              <a14:hiddenFill xmlns:a14="http://schemas.microsoft.com/office/drawing/2010/main">
+                <a:solidFill>
+                  <a:srgbClr val="FFFFFF"/>
+                </a:solidFill>
+              </a14:hiddenFill>
+            </a:ext>
+          </a:extLst>
+        </p:spPr>
+      </p:pic>
     </p:spTree>
     <p:extLst>
       <p:ext uri="{BB962C8B-B14F-4D97-AF65-F5344CB8AC3E}">
@@ -4289,13 +5917,6 @@
   <p:clrMapOvr>
     <a:masterClrMapping/>
   </p:clrMapOvr>
-  <p:timing>
-    <p:tnLst>
-      <p:par>
-        <p:cTn id="1" dur="indefinite" restart="never" nodeType="tmRoot"/>
-      </p:par>
-    </p:tnLst>
-  </p:timing>
 </p:sld>
 </file>
 
@@ -4332,7 +5953,7 @@
           <a:lstStyle/>
           <a:p>
             <a:r>
-              <a:rPr kumimoji="1" lang="en-US" altLang="ja-JP" dirty="0" smtClean="0"/>
+              <a:rPr kumimoji="1" lang="en-US" altLang="ja-JP" dirty="0"/>
               <a:t>Game Resources</a:t>
             </a:r>
             <a:endParaRPr kumimoji="1" lang="ja-JP" altLang="en-US" dirty="0"/>
@@ -4355,47 +5976,76 @@
           <a:lstStyle/>
           <a:p>
             <a:r>
-              <a:rPr kumimoji="1" lang="en-US" altLang="ja-JP" dirty="0" smtClean="0"/>
+              <a:rPr kumimoji="1" lang="en-US" altLang="ja-JP" dirty="0"/>
               <a:t>Enemies</a:t>
             </a:r>
           </a:p>
           <a:p>
             <a:r>
-              <a:rPr lang="en-US" altLang="ja-JP" dirty="0" smtClean="0"/>
+              <a:rPr lang="en-US" altLang="ja-JP" dirty="0"/>
               <a:t>Power ups</a:t>
             </a:r>
           </a:p>
           <a:p>
             <a:r>
-              <a:rPr kumimoji="1" lang="en-US" altLang="ja-JP" dirty="0" smtClean="0"/>
+              <a:rPr kumimoji="1" lang="en-US" altLang="ja-JP" dirty="0"/>
               <a:t>Bosses</a:t>
             </a:r>
           </a:p>
           <a:p>
             <a:pPr lvl="1"/>
             <a:r>
-              <a:rPr lang="en-US" altLang="ja-JP" dirty="0" err="1" smtClean="0"/>
-              <a:t>Cereberus</a:t>
-            </a:r>
-            <a:endParaRPr lang="en-US" altLang="ja-JP" dirty="0" smtClean="0"/>
+              <a:rPr lang="en-US" altLang="ja-JP" dirty="0"/>
+              <a:t>Cerberus</a:t>
+            </a:r>
           </a:p>
           <a:p>
             <a:pPr lvl="1"/>
             <a:r>
-              <a:rPr kumimoji="1" lang="en-US" altLang="ja-JP" dirty="0" smtClean="0"/>
+              <a:rPr kumimoji="1" lang="en-US" altLang="ja-JP" dirty="0"/>
               <a:t>Merlin</a:t>
             </a:r>
           </a:p>
           <a:p>
             <a:pPr lvl="1"/>
             <a:r>
-              <a:rPr lang="en-US" altLang="ja-JP" dirty="0" smtClean="0"/>
+              <a:rPr lang="en-US" altLang="ja-JP" dirty="0"/>
               <a:t>King Arthur</a:t>
             </a:r>
             <a:endParaRPr kumimoji="1" lang="ja-JP" altLang="en-US" dirty="0"/>
           </a:p>
         </p:txBody>
       </p:sp>
+      <p:pic>
+        <p:nvPicPr>
+          <p:cNvPr id="4" name="Picture 3">
+            <a:extLst>
+              <a:ext uri="{FF2B5EF4-FFF2-40B4-BE49-F238E27FC236}">
+                <a16:creationId xmlns:a16="http://schemas.microsoft.com/office/drawing/2014/main" id="{4F6755B4-00FB-4AA1-AF77-4BC107A7B5A4}"/>
+              </a:ext>
+            </a:extLst>
+          </p:cNvPr>
+          <p:cNvPicPr>
+            <a:picLocks noChangeAspect="1"/>
+          </p:cNvPicPr>
+          <p:nvPr/>
+        </p:nvPicPr>
+        <p:blipFill>
+          <a:blip r:embed="rId3"/>
+          <a:stretch>
+            <a:fillRect/>
+          </a:stretch>
+        </p:blipFill>
+        <p:spPr>
+          <a:xfrm>
+            <a:off x="3923928" y="1844824"/>
+            <a:ext cx="4557464" cy="2734478"/>
+          </a:xfrm>
+          <a:prstGeom prst="rect">
+            <a:avLst/>
+          </a:prstGeom>
+        </p:spPr>
+      </p:pic>
     </p:spTree>
     <p:extLst>
       <p:ext uri="{BB962C8B-B14F-4D97-AF65-F5344CB8AC3E}">
@@ -4406,13 +6056,6 @@
   <p:clrMapOvr>
     <a:masterClrMapping/>
   </p:clrMapOvr>
-  <p:timing>
-    <p:tnLst>
-      <p:par>
-        <p:cTn id="1" dur="indefinite" restart="never" nodeType="tmRoot"/>
-      </p:par>
-    </p:tnLst>
-  </p:timing>
 </p:sld>
 </file>
 
@@ -4449,7 +6092,7 @@
           <a:lstStyle/>
           <a:p>
             <a:r>
-              <a:rPr kumimoji="1" lang="en-US" altLang="ja-JP" dirty="0" smtClean="0"/>
+              <a:rPr kumimoji="1" lang="en-US" altLang="ja-JP" dirty="0"/>
               <a:t>Visual Design</a:t>
             </a:r>
             <a:endParaRPr kumimoji="1" lang="ja-JP" altLang="en-US" dirty="0"/>
@@ -4472,19 +6115,42 @@
           <a:lstStyle/>
           <a:p>
             <a:r>
-              <a:rPr kumimoji="1" lang="en-US" altLang="ja-JP" dirty="0" smtClean="0"/>
-              <a:t>Pixel art </a:t>
-            </a:r>
-          </a:p>
-          <a:p>
-            <a:r>
-              <a:rPr lang="en-US" altLang="ja-JP" dirty="0" smtClean="0"/>
-              <a:t>Camera will focus on player’s character</a:t>
-            </a:r>
-            <a:endParaRPr kumimoji="1" lang="ja-JP" altLang="en-US" dirty="0"/>
-          </a:p>
-        </p:txBody>
-      </p:sp>
+              <a:rPr kumimoji="1" lang="en-US" altLang="ja-JP" dirty="0"/>
+              <a:t>Pixel art</a:t>
+            </a:r>
+          </a:p>
+        </p:txBody>
+      </p:sp>
+      <p:pic>
+        <p:nvPicPr>
+          <p:cNvPr id="4" name="Picture 3">
+            <a:extLst>
+              <a:ext uri="{FF2B5EF4-FFF2-40B4-BE49-F238E27FC236}">
+                <a16:creationId xmlns:a16="http://schemas.microsoft.com/office/drawing/2014/main" id="{850761E6-B344-4B08-99F6-8E04CB536F5E}"/>
+              </a:ext>
+            </a:extLst>
+          </p:cNvPr>
+          <p:cNvPicPr>
+            <a:picLocks noChangeAspect="1"/>
+          </p:cNvPicPr>
+          <p:nvPr/>
+        </p:nvPicPr>
+        <p:blipFill>
+          <a:blip r:embed="rId3"/>
+          <a:stretch>
+            <a:fillRect/>
+          </a:stretch>
+        </p:blipFill>
+        <p:spPr>
+          <a:xfrm>
+            <a:off x="899592" y="2420888"/>
+            <a:ext cx="5063523" cy="3343076"/>
+          </a:xfrm>
+          <a:prstGeom prst="rect">
+            <a:avLst/>
+          </a:prstGeom>
+        </p:spPr>
+      </p:pic>
     </p:spTree>
     <p:extLst>
       <p:ext uri="{BB962C8B-B14F-4D97-AF65-F5344CB8AC3E}">
@@ -4495,13 +6161,6 @@
   <p:clrMapOvr>
     <a:masterClrMapping/>
   </p:clrMapOvr>
-  <p:timing>
-    <p:tnLst>
-      <p:par>
-        <p:cTn id="1" dur="indefinite" restart="never" nodeType="tmRoot"/>
-      </p:par>
-    </p:tnLst>
-  </p:timing>
 </p:sld>
 </file>
 
@@ -4538,7 +6197,7 @@
           <a:lstStyle/>
           <a:p>
             <a:r>
-              <a:rPr kumimoji="1" lang="en-US" altLang="ja-JP" dirty="0" smtClean="0"/>
+              <a:rPr kumimoji="1" lang="en-US" altLang="ja-JP" dirty="0"/>
               <a:t>Physics Design</a:t>
             </a:r>
             <a:endParaRPr kumimoji="1" lang="ja-JP" altLang="en-US" dirty="0"/>
@@ -4561,19 +6220,57 @@
           <a:lstStyle/>
           <a:p>
             <a:r>
-              <a:rPr kumimoji="1" lang="en-US" altLang="ja-JP" dirty="0" smtClean="0"/>
+              <a:rPr kumimoji="1" lang="en-US" altLang="ja-JP" dirty="0"/>
               <a:t>Gravity</a:t>
             </a:r>
           </a:p>
           <a:p>
             <a:r>
-              <a:rPr lang="en-US" altLang="ja-JP" dirty="0" smtClean="0"/>
+              <a:rPr lang="en-US" altLang="ja-JP" dirty="0"/>
               <a:t>Collision</a:t>
             </a:r>
+          </a:p>
+          <a:p>
+            <a:r>
+              <a:rPr kumimoji="1" lang="en-US" altLang="ja-JP" dirty="0"/>
+              <a:t>Motion Dynamics</a:t>
+            </a:r>
+          </a:p>
+          <a:p>
             <a:endParaRPr kumimoji="1" lang="ja-JP" altLang="en-US" dirty="0"/>
           </a:p>
         </p:txBody>
       </p:sp>
+      <p:pic>
+        <p:nvPicPr>
+          <p:cNvPr id="5" name="Picture 4">
+            <a:extLst>
+              <a:ext uri="{FF2B5EF4-FFF2-40B4-BE49-F238E27FC236}">
+                <a16:creationId xmlns:a16="http://schemas.microsoft.com/office/drawing/2014/main" id="{C5AA3A60-6E8F-4BCF-A749-13C863B32D3B}"/>
+              </a:ext>
+            </a:extLst>
+          </p:cNvPr>
+          <p:cNvPicPr>
+            <a:picLocks noChangeAspect="1"/>
+          </p:cNvPicPr>
+          <p:nvPr/>
+        </p:nvPicPr>
+        <p:blipFill>
+          <a:blip r:embed="rId3"/>
+          <a:stretch>
+            <a:fillRect/>
+          </a:stretch>
+        </p:blipFill>
+        <p:spPr>
+          <a:xfrm>
+            <a:off x="1696033" y="3429000"/>
+            <a:ext cx="5751934" cy="3076616"/>
+          </a:xfrm>
+          <a:prstGeom prst="rect">
+            <a:avLst/>
+          </a:prstGeom>
+        </p:spPr>
+      </p:pic>
     </p:spTree>
     <p:extLst>
       <p:ext uri="{BB962C8B-B14F-4D97-AF65-F5344CB8AC3E}">
@@ -4584,13 +6281,6 @@
   <p:clrMapOvr>
     <a:masterClrMapping/>
   </p:clrMapOvr>
-  <p:timing>
-    <p:tnLst>
-      <p:par>
-        <p:cTn id="1" dur="indefinite" restart="never" nodeType="tmRoot"/>
-      </p:par>
-    </p:tnLst>
-  </p:timing>
 </p:sld>
 </file>
 
@@ -4627,8 +6317,8 @@
           <a:lstStyle/>
           <a:p>
             <a:r>
-              <a:rPr kumimoji="1" lang="en-US" altLang="ja-JP" dirty="0" smtClean="0"/>
-              <a:t>Timeline</a:t>
+              <a:rPr lang="en-US" altLang="ja-JP" dirty="0"/>
+              <a:t>Priorities</a:t>
             </a:r>
             <a:endParaRPr kumimoji="1" lang="ja-JP" altLang="en-US" dirty="0"/>
           </a:p>
@@ -4649,91 +6339,72 @@
           <a:bodyPr/>
           <a:lstStyle/>
           <a:p>
-            <a:endParaRPr kumimoji="1" lang="ja-JP" altLang="en-US"/>
-          </a:p>
-        </p:txBody>
-      </p:sp>
-      <p:pic>
-        <p:nvPicPr>
-          <p:cNvPr id="1026" name="Picture 2"/>
-          <p:cNvPicPr>
-            <a:picLocks noChangeAspect="1" noChangeArrowheads="1"/>
-          </p:cNvPicPr>
-          <p:nvPr/>
-        </p:nvPicPr>
-        <p:blipFill>
-          <a:blip r:embed="rId2">
-            <a:extLst>
-              <a:ext uri="{28A0092B-C50C-407E-A947-70E740481C1C}">
-                <a14:useLocalDpi xmlns:a14="http://schemas.microsoft.com/office/drawing/2010/main" val="0"/>
-              </a:ext>
-            </a:extLst>
-          </a:blip>
-          <a:srcRect/>
-          <a:stretch>
-            <a:fillRect/>
-          </a:stretch>
-        </p:blipFill>
-        <p:spPr bwMode="auto">
-          <a:xfrm>
-            <a:off x="-12479" y="1238250"/>
-            <a:ext cx="9156479" cy="5619750"/>
-          </a:xfrm>
-          <a:prstGeom prst="rect">
-            <a:avLst/>
-          </a:prstGeom>
-          <a:noFill/>
-          <a:ln>
-            <a:noFill/>
-          </a:ln>
-          <a:effectLst/>
-          <a:extLst>
-            <a:ext uri="{909E8E84-426E-40DD-AFC4-6F175D3DCCD1}">
-              <a14:hiddenFill xmlns:a14="http://schemas.microsoft.com/office/drawing/2010/main">
-                <a:solidFill>
-                  <a:schemeClr val="accent1"/>
-                </a:solidFill>
-              </a14:hiddenFill>
-            </a:ext>
-            <a:ext uri="{91240B29-F687-4F45-9708-019B960494DF}">
-              <a14:hiddenLine xmlns:a14="http://schemas.microsoft.com/office/drawing/2010/main" w="9525">
-                <a:solidFill>
-                  <a:schemeClr val="tx1"/>
-                </a:solidFill>
-                <a:miter lim="800000"/>
-                <a:headEnd/>
-                <a:tailEnd/>
-              </a14:hiddenLine>
-            </a:ext>
-            <a:ext uri="{AF507438-7753-43E0-B8FC-AC1667EBCBE1}">
-              <a14:hiddenEffects xmlns:a14="http://schemas.microsoft.com/office/drawing/2010/main">
-                <a:effectLst>
-                  <a:outerShdw dist="35921" dir="2700000" algn="ctr" rotWithShape="0">
-                    <a:schemeClr val="bg2"/>
-                  </a:outerShdw>
-                </a:effectLst>
-              </a14:hiddenEffects>
-            </a:ext>
-          </a:extLst>
-        </p:spPr>
-      </p:pic>
+            <a:r>
+              <a:rPr kumimoji="1" lang="en-SG" altLang="ja-JP" dirty="0"/>
+              <a:t>High</a:t>
+            </a:r>
+          </a:p>
+          <a:p>
+            <a:pPr lvl="1"/>
+            <a:r>
+              <a:rPr lang="en-SG" altLang="ja-JP" dirty="0"/>
+              <a:t>King Arthur AI</a:t>
+            </a:r>
+          </a:p>
+          <a:p>
+            <a:pPr lvl="1"/>
+            <a:r>
+              <a:rPr lang="en-SG" altLang="ja-JP" dirty="0"/>
+              <a:t>Basic AI</a:t>
+            </a:r>
+          </a:p>
+          <a:p>
+            <a:pPr lvl="1"/>
+            <a:r>
+              <a:rPr kumimoji="1" lang="en-SG" altLang="ja-JP" dirty="0"/>
+              <a:t>Character Mechanics</a:t>
+            </a:r>
+          </a:p>
+          <a:p>
+            <a:r>
+              <a:rPr lang="en-SG" altLang="ja-JP" dirty="0"/>
+              <a:t>Low</a:t>
+            </a:r>
+          </a:p>
+          <a:p>
+            <a:pPr lvl="1"/>
+            <a:r>
+              <a:rPr kumimoji="1" lang="en-SG" altLang="ja-JP" dirty="0"/>
+              <a:t>Scoring System</a:t>
+            </a:r>
+          </a:p>
+          <a:p>
+            <a:pPr lvl="1"/>
+            <a:r>
+              <a:rPr lang="en-SG" altLang="ja-JP" dirty="0"/>
+              <a:t>Power Ups</a:t>
+            </a:r>
+          </a:p>
+          <a:p>
+            <a:pPr lvl="1"/>
+            <a:r>
+              <a:rPr kumimoji="1" lang="en-SG" altLang="ja-JP" dirty="0"/>
+              <a:t>Platforming</a:t>
+            </a:r>
+            <a:endParaRPr kumimoji="1" lang="ja-JP" altLang="en-US" dirty="0"/>
+          </a:p>
+        </p:txBody>
+      </p:sp>
     </p:spTree>
     <p:extLst>
       <p:ext uri="{BB962C8B-B14F-4D97-AF65-F5344CB8AC3E}">
-        <p14:creationId xmlns:p14="http://schemas.microsoft.com/office/powerpoint/2010/main" val="89951158"/>
+        <p14:creationId xmlns:p14="http://schemas.microsoft.com/office/powerpoint/2010/main" val="4081799494"/>
       </p:ext>
     </p:extLst>
   </p:cSld>
   <p:clrMapOvr>
     <a:masterClrMapping/>
   </p:clrMapOvr>
-  <p:timing>
-    <p:tnLst>
-      <p:par>
-        <p:cTn id="1" dur="indefinite" restart="never" nodeType="tmRoot"/>
-      </p:par>
-    </p:tnLst>
-  </p:timing>
 </p:sld>
 </file>
 
@@ -5065,4 +6736,299 @@
   <a:objectDefaults/>
   <a:extraClrSchemeLst/>
 </a:theme>
+</file>
+
+<file path=ppt/theme/theme2.xml><?xml version="1.0" encoding="utf-8"?>
+<a:theme xmlns:a="http://schemas.openxmlformats.org/drawingml/2006/main" name="Office Theme">
+  <a:themeElements>
+    <a:clrScheme name="Office">
+      <a:dk1>
+        <a:sysClr val="windowText" lastClr="000000"/>
+      </a:dk1>
+      <a:lt1>
+        <a:sysClr val="window" lastClr="FFFFFF"/>
+      </a:lt1>
+      <a:dk2>
+        <a:srgbClr val="44546A"/>
+      </a:dk2>
+      <a:lt2>
+        <a:srgbClr val="E7E6E6"/>
+      </a:lt2>
+      <a:accent1>
+        <a:srgbClr val="4472C4"/>
+      </a:accent1>
+      <a:accent2>
+        <a:srgbClr val="ED7D31"/>
+      </a:accent2>
+      <a:accent3>
+        <a:srgbClr val="A5A5A5"/>
+      </a:accent3>
+      <a:accent4>
+        <a:srgbClr val="FFC000"/>
+      </a:accent4>
+      <a:accent5>
+        <a:srgbClr val="5B9BD5"/>
+      </a:accent5>
+      <a:accent6>
+        <a:srgbClr val="70AD47"/>
+      </a:accent6>
+      <a:hlink>
+        <a:srgbClr val="0563C1"/>
+      </a:hlink>
+      <a:folHlink>
+        <a:srgbClr val="954F72"/>
+      </a:folHlink>
+    </a:clrScheme>
+    <a:fontScheme name="Office">
+      <a:majorFont>
+        <a:latin typeface="Calibri Light" panose="020F0302020204030204"/>
+        <a:ea typeface=""/>
+        <a:cs typeface=""/>
+        <a:font script="Jpan" typeface="游ゴシック Light"/>
+        <a:font script="Hang" typeface="맑은 고딕"/>
+        <a:font script="Hans" typeface="等线 Light"/>
+        <a:font script="Hant" typeface="新細明體"/>
+        <a:font script="Arab" typeface="Times New Roman"/>
+        <a:font script="Hebr" typeface="Times New Roman"/>
+        <a:font script="Thai" typeface="Angsana New"/>
+        <a:font script="Ethi" typeface="Nyala"/>
+        <a:font script="Beng" typeface="Vrinda"/>
+        <a:font script="Gujr" typeface="Shruti"/>
+        <a:font script="Khmr" typeface="MoolBoran"/>
+        <a:font script="Knda" typeface="Tunga"/>
+        <a:font script="Guru" typeface="Raavi"/>
+        <a:font script="Cans" typeface="Euphemia"/>
+        <a:font script="Cher" typeface="Plantagenet Cherokee"/>
+        <a:font script="Yiii" typeface="Microsoft Yi Baiti"/>
+        <a:font script="Tibt" typeface="Microsoft Himalaya"/>
+        <a:font script="Thaa" typeface="MV Boli"/>
+        <a:font script="Deva" typeface="Mangal"/>
+        <a:font script="Telu" typeface="Gautami"/>
+        <a:font script="Taml" typeface="Latha"/>
+        <a:font script="Syrc" typeface="Estrangelo Edessa"/>
+        <a:font script="Orya" typeface="Kalinga"/>
+        <a:font script="Mlym" typeface="Kartika"/>
+        <a:font script="Laoo" typeface="DokChampa"/>
+        <a:font script="Sinh" typeface="Iskoola Pota"/>
+        <a:font script="Mong" typeface="Mongolian Baiti"/>
+        <a:font script="Viet" typeface="Times New Roman"/>
+        <a:font script="Uigh" typeface="Microsoft Uighur"/>
+        <a:font script="Geor" typeface="Sylfaen"/>
+        <a:font script="Armn" typeface="Arial"/>
+        <a:font script="Bugi" typeface="Leelawadee UI"/>
+        <a:font script="Bopo" typeface="Microsoft JhengHei"/>
+        <a:font script="Java" typeface="Javanese Text"/>
+        <a:font script="Lisu" typeface="Segoe UI"/>
+        <a:font script="Mymr" typeface="Myanmar Text"/>
+        <a:font script="Nkoo" typeface="Ebrima"/>
+        <a:font script="Olck" typeface="Nirmala UI"/>
+        <a:font script="Osma" typeface="Ebrima"/>
+        <a:font script="Phag" typeface="Phagspa"/>
+        <a:font script="Syrn" typeface="Estrangelo Edessa"/>
+        <a:font script="Syrj" typeface="Estrangelo Edessa"/>
+        <a:font script="Syre" typeface="Estrangelo Edessa"/>
+        <a:font script="Sora" typeface="Nirmala UI"/>
+        <a:font script="Tale" typeface="Microsoft Tai Le"/>
+        <a:font script="Talu" typeface="Microsoft New Tai Lue"/>
+        <a:font script="Tfng" typeface="Ebrima"/>
+      </a:majorFont>
+      <a:minorFont>
+        <a:latin typeface="Calibri" panose="020F0502020204030204"/>
+        <a:ea typeface=""/>
+        <a:cs typeface=""/>
+        <a:font script="Jpan" typeface="游ゴシック"/>
+        <a:font script="Hang" typeface="맑은 고딕"/>
+        <a:font script="Hans" typeface="等线"/>
+        <a:font script="Hant" typeface="新細明體"/>
+        <a:font script="Arab" typeface="Arial"/>
+        <a:font script="Hebr" typeface="Arial"/>
+        <a:font script="Thai" typeface="Cordia New"/>
+        <a:font script="Ethi" typeface="Nyala"/>
+        <a:font script="Beng" typeface="Vrinda"/>
+        <a:font script="Gujr" typeface="Shruti"/>
+        <a:font script="Khmr" typeface="DaunPenh"/>
+        <a:font script="Knda" typeface="Tunga"/>
+        <a:font script="Guru" typeface="Raavi"/>
+        <a:font script="Cans" typeface="Euphemia"/>
+        <a:font script="Cher" typeface="Plantagenet Cherokee"/>
+        <a:font script="Yiii" typeface="Microsoft Yi Baiti"/>
+        <a:font script="Tibt" typeface="Microsoft Himalaya"/>
+        <a:font script="Thaa" typeface="MV Boli"/>
+        <a:font script="Deva" typeface="Mangal"/>
+        <a:font script="Telu" typeface="Gautami"/>
+        <a:font script="Taml" typeface="Latha"/>
+        <a:font script="Syrc" typeface="Estrangelo Edessa"/>
+        <a:font script="Orya" typeface="Kalinga"/>
+        <a:font script="Mlym" typeface="Kartika"/>
+        <a:font script="Laoo" typeface="DokChampa"/>
+        <a:font script="Sinh" typeface="Iskoola Pota"/>
+        <a:font script="Mong" typeface="Mongolian Baiti"/>
+        <a:font script="Viet" typeface="Arial"/>
+        <a:font script="Uigh" typeface="Microsoft Uighur"/>
+        <a:font script="Geor" typeface="Sylfaen"/>
+        <a:font script="Armn" typeface="Arial"/>
+        <a:font script="Bugi" typeface="Leelawadee UI"/>
+        <a:font script="Bopo" typeface="Microsoft JhengHei"/>
+        <a:font script="Java" typeface="Javanese Text"/>
+        <a:font script="Lisu" typeface="Segoe UI"/>
+        <a:font script="Mymr" typeface="Myanmar Text"/>
+        <a:font script="Nkoo" typeface="Ebrima"/>
+        <a:font script="Olck" typeface="Nirmala UI"/>
+        <a:font script="Osma" typeface="Ebrima"/>
+        <a:font script="Phag" typeface="Phagspa"/>
+        <a:font script="Syrn" typeface="Estrangelo Edessa"/>
+        <a:font script="Syrj" typeface="Estrangelo Edessa"/>
+        <a:font script="Syre" typeface="Estrangelo Edessa"/>
+        <a:font script="Sora" typeface="Nirmala UI"/>
+        <a:font script="Tale" typeface="Microsoft Tai Le"/>
+        <a:font script="Talu" typeface="Microsoft New Tai Lue"/>
+        <a:font script="Tfng" typeface="Ebrima"/>
+      </a:minorFont>
+    </a:fontScheme>
+    <a:fmtScheme name="Office">
+      <a:fillStyleLst>
+        <a:solidFill>
+          <a:schemeClr val="phClr"/>
+        </a:solidFill>
+        <a:gradFill rotWithShape="1">
+          <a:gsLst>
+            <a:gs pos="0">
+              <a:schemeClr val="phClr">
+                <a:lumMod val="110000"/>
+                <a:satMod val="105000"/>
+                <a:tint val="67000"/>
+              </a:schemeClr>
+            </a:gs>
+            <a:gs pos="50000">
+              <a:schemeClr val="phClr">
+                <a:lumMod val="105000"/>
+                <a:satMod val="103000"/>
+                <a:tint val="73000"/>
+              </a:schemeClr>
+            </a:gs>
+            <a:gs pos="100000">
+              <a:schemeClr val="phClr">
+                <a:lumMod val="105000"/>
+                <a:satMod val="109000"/>
+                <a:tint val="81000"/>
+              </a:schemeClr>
+            </a:gs>
+          </a:gsLst>
+          <a:lin ang="5400000" scaled="0"/>
+        </a:gradFill>
+        <a:gradFill rotWithShape="1">
+          <a:gsLst>
+            <a:gs pos="0">
+              <a:schemeClr val="phClr">
+                <a:satMod val="103000"/>
+                <a:lumMod val="102000"/>
+                <a:tint val="94000"/>
+              </a:schemeClr>
+            </a:gs>
+            <a:gs pos="50000">
+              <a:schemeClr val="phClr">
+                <a:satMod val="110000"/>
+                <a:lumMod val="100000"/>
+                <a:shade val="100000"/>
+              </a:schemeClr>
+            </a:gs>
+            <a:gs pos="100000">
+              <a:schemeClr val="phClr">
+                <a:lumMod val="99000"/>
+                <a:satMod val="120000"/>
+                <a:shade val="78000"/>
+              </a:schemeClr>
+            </a:gs>
+          </a:gsLst>
+          <a:lin ang="5400000" scaled="0"/>
+        </a:gradFill>
+      </a:fillStyleLst>
+      <a:lnStyleLst>
+        <a:ln w="6350" cap="flat" cmpd="sng" algn="ctr">
+          <a:solidFill>
+            <a:schemeClr val="phClr"/>
+          </a:solidFill>
+          <a:prstDash val="solid"/>
+          <a:miter lim="800000"/>
+        </a:ln>
+        <a:ln w="12700" cap="flat" cmpd="sng" algn="ctr">
+          <a:solidFill>
+            <a:schemeClr val="phClr"/>
+          </a:solidFill>
+          <a:prstDash val="solid"/>
+          <a:miter lim="800000"/>
+        </a:ln>
+        <a:ln w="19050" cap="flat" cmpd="sng" algn="ctr">
+          <a:solidFill>
+            <a:schemeClr val="phClr"/>
+          </a:solidFill>
+          <a:prstDash val="solid"/>
+          <a:miter lim="800000"/>
+        </a:ln>
+      </a:lnStyleLst>
+      <a:effectStyleLst>
+        <a:effectStyle>
+          <a:effectLst/>
+        </a:effectStyle>
+        <a:effectStyle>
+          <a:effectLst/>
+        </a:effectStyle>
+        <a:effectStyle>
+          <a:effectLst>
+            <a:outerShdw blurRad="57150" dist="19050" dir="5400000" algn="ctr" rotWithShape="0">
+              <a:srgbClr val="000000">
+                <a:alpha val="63000"/>
+              </a:srgbClr>
+            </a:outerShdw>
+          </a:effectLst>
+        </a:effectStyle>
+      </a:effectStyleLst>
+      <a:bgFillStyleLst>
+        <a:solidFill>
+          <a:schemeClr val="phClr"/>
+        </a:solidFill>
+        <a:solidFill>
+          <a:schemeClr val="phClr">
+            <a:tint val="95000"/>
+            <a:satMod val="170000"/>
+          </a:schemeClr>
+        </a:solidFill>
+        <a:gradFill rotWithShape="1">
+          <a:gsLst>
+            <a:gs pos="0">
+              <a:schemeClr val="phClr">
+                <a:tint val="93000"/>
+                <a:satMod val="150000"/>
+                <a:shade val="98000"/>
+                <a:lumMod val="102000"/>
+              </a:schemeClr>
+            </a:gs>
+            <a:gs pos="50000">
+              <a:schemeClr val="phClr">
+                <a:tint val="98000"/>
+                <a:satMod val="130000"/>
+                <a:shade val="90000"/>
+                <a:lumMod val="103000"/>
+              </a:schemeClr>
+            </a:gs>
+            <a:gs pos="100000">
+              <a:schemeClr val="phClr">
+                <a:shade val="63000"/>
+                <a:satMod val="120000"/>
+              </a:schemeClr>
+            </a:gs>
+          </a:gsLst>
+          <a:lin ang="5400000" scaled="0"/>
+        </a:gradFill>
+      </a:bgFillStyleLst>
+    </a:fmtScheme>
+  </a:themeElements>
+  <a:objectDefaults/>
+  <a:extraClrSchemeLst/>
+  <a:extLst>
+    <a:ext uri="{05A4C25C-085E-4340-85A3-A5531E510DB2}">
+      <thm15:themeFamily xmlns:thm15="http://schemas.microsoft.com/office/thememl/2012/main" name="Office Theme" id="{62F939B6-93AF-4DB8-9C6B-D6C7DFDC589F}" vid="{4A3C46E8-61CC-4603-A589-7422A47A8E4A}"/>
+    </a:ext>
+  </a:extLst>
+</a:theme>
 </file>
--- a/Pre-Production/D-Sync.pptx
+++ b/Pre-Production/D-Sync.pptx
@@ -5,7 +5,7 @@
     <p:sldMasterId id="2147483756" r:id="rId1"/>
   </p:sldMasterIdLst>
   <p:notesMasterIdLst>
-    <p:notesMasterId r:id="rId14"/>
+    <p:notesMasterId r:id="rId13"/>
   </p:notesMasterIdLst>
   <p:sldIdLst>
     <p:sldId id="256" r:id="rId2"/>
@@ -14,12 +14,11 @@
     <p:sldId id="259" r:id="rId5"/>
     <p:sldId id="260" r:id="rId6"/>
     <p:sldId id="262" r:id="rId7"/>
-    <p:sldId id="263" r:id="rId8"/>
-    <p:sldId id="264" r:id="rId9"/>
+    <p:sldId id="264" r:id="rId8"/>
+    <p:sldId id="268" r:id="rId9"/>
     <p:sldId id="266" r:id="rId10"/>
     <p:sldId id="261" r:id="rId11"/>
-    <p:sldId id="265" r:id="rId12"/>
-    <p:sldId id="267" r:id="rId13"/>
+    <p:sldId id="267" r:id="rId12"/>
   </p:sldIdLst>
   <p:sldSz cx="9144000" cy="6858000" type="screen4x3"/>
   <p:notesSz cx="6858000" cy="9144000"/>
@@ -223,7 +222,7 @@
           <a:p>
             <a:fld id="{5A18359B-5A98-482A-B508-C1C18731ED96}" type="datetimeFigureOut">
               <a:rPr lang="en-SG" smtClean="0"/>
-              <a:t>23/1/2018</a:t>
+              <a:t>25/1/2018</a:t>
             </a:fld>
             <a:endParaRPr lang="en-SG"/>
           </a:p>
@@ -579,182 +578,6 @@
 </p:notes>
 </file>
 
-<file path=ppt/notesSlides/notesSlide10.xml><?xml version="1.0" encoding="utf-8"?>
-<p:notes xmlns:a="http://schemas.openxmlformats.org/drawingml/2006/main" xmlns:r="http://schemas.openxmlformats.org/officeDocument/2006/relationships" xmlns:p="http://schemas.openxmlformats.org/presentationml/2006/main">
-  <p:cSld>
-    <p:spTree>
-      <p:nvGrpSpPr>
-        <p:cNvPr id="1" name=""/>
-        <p:cNvGrpSpPr/>
-        <p:nvPr/>
-      </p:nvGrpSpPr>
-      <p:grpSpPr>
-        <a:xfrm>
-          <a:off x="0" y="0"/>
-          <a:ext cx="0" cy="0"/>
-          <a:chOff x="0" y="0"/>
-          <a:chExt cx="0" cy="0"/>
-        </a:xfrm>
-      </p:grpSpPr>
-      <p:sp>
-        <p:nvSpPr>
-          <p:cNvPr id="2" name="Slide Image Placeholder 1"/>
-          <p:cNvSpPr>
-            <a:spLocks noGrp="1" noRot="1" noChangeAspect="1"/>
-          </p:cNvSpPr>
-          <p:nvPr>
-            <p:ph type="sldImg"/>
-          </p:nvPr>
-        </p:nvSpPr>
-        <p:spPr/>
-      </p:sp>
-      <p:sp>
-        <p:nvSpPr>
-          <p:cNvPr id="3" name="Notes Placeholder 2"/>
-          <p:cNvSpPr>
-            <a:spLocks noGrp="1"/>
-          </p:cNvSpPr>
-          <p:nvPr>
-            <p:ph type="body" idx="1"/>
-          </p:nvPr>
-        </p:nvSpPr>
-        <p:spPr/>
-        <p:txBody>
-          <a:bodyPr/>
-          <a:lstStyle/>
-          <a:p>
-            <a:r>
-              <a:rPr lang="en-SG" dirty="0" err="1"/>
-              <a:t>jacob</a:t>
-            </a:r>
-            <a:endParaRPr lang="en-SG" dirty="0"/>
-          </a:p>
-        </p:txBody>
-      </p:sp>
-      <p:sp>
-        <p:nvSpPr>
-          <p:cNvPr id="4" name="Slide Number Placeholder 3"/>
-          <p:cNvSpPr>
-            <a:spLocks noGrp="1"/>
-          </p:cNvSpPr>
-          <p:nvPr>
-            <p:ph type="sldNum" sz="quarter" idx="10"/>
-          </p:nvPr>
-        </p:nvSpPr>
-        <p:spPr/>
-        <p:txBody>
-          <a:bodyPr/>
-          <a:lstStyle/>
-          <a:p>
-            <a:fld id="{4D8388EC-2208-4933-8AC0-4CDA50E0E74E}" type="slidenum">
-              <a:rPr lang="en-SG" smtClean="0"/>
-              <a:t>10</a:t>
-            </a:fld>
-            <a:endParaRPr lang="en-SG"/>
-          </a:p>
-        </p:txBody>
-      </p:sp>
-    </p:spTree>
-    <p:extLst>
-      <p:ext uri="{BB962C8B-B14F-4D97-AF65-F5344CB8AC3E}">
-        <p14:creationId xmlns:p14="http://schemas.microsoft.com/office/powerpoint/2010/main" val="2892611647"/>
-      </p:ext>
-    </p:extLst>
-  </p:cSld>
-  <p:clrMapOvr>
-    <a:masterClrMapping/>
-  </p:clrMapOvr>
-</p:notes>
-</file>
-
-<file path=ppt/notesSlides/notesSlide11.xml><?xml version="1.0" encoding="utf-8"?>
-<p:notes xmlns:a="http://schemas.openxmlformats.org/drawingml/2006/main" xmlns:r="http://schemas.openxmlformats.org/officeDocument/2006/relationships" xmlns:p="http://schemas.openxmlformats.org/presentationml/2006/main">
-  <p:cSld>
-    <p:spTree>
-      <p:nvGrpSpPr>
-        <p:cNvPr id="1" name=""/>
-        <p:cNvGrpSpPr/>
-        <p:nvPr/>
-      </p:nvGrpSpPr>
-      <p:grpSpPr>
-        <a:xfrm>
-          <a:off x="0" y="0"/>
-          <a:ext cx="0" cy="0"/>
-          <a:chOff x="0" y="0"/>
-          <a:chExt cx="0" cy="0"/>
-        </a:xfrm>
-      </p:grpSpPr>
-      <p:sp>
-        <p:nvSpPr>
-          <p:cNvPr id="2" name="Slide Image Placeholder 1"/>
-          <p:cNvSpPr>
-            <a:spLocks noGrp="1" noRot="1" noChangeAspect="1"/>
-          </p:cNvSpPr>
-          <p:nvPr>
-            <p:ph type="sldImg"/>
-          </p:nvPr>
-        </p:nvSpPr>
-        <p:spPr/>
-      </p:sp>
-      <p:sp>
-        <p:nvSpPr>
-          <p:cNvPr id="3" name="Notes Placeholder 2"/>
-          <p:cNvSpPr>
-            <a:spLocks noGrp="1"/>
-          </p:cNvSpPr>
-          <p:nvPr>
-            <p:ph type="body" idx="1"/>
-          </p:nvPr>
-        </p:nvSpPr>
-        <p:spPr/>
-        <p:txBody>
-          <a:bodyPr/>
-          <a:lstStyle/>
-          <a:p>
-            <a:r>
-              <a:rPr lang="en-SG" dirty="0" err="1"/>
-              <a:t>jacob</a:t>
-            </a:r>
-            <a:endParaRPr lang="en-SG" dirty="0"/>
-          </a:p>
-        </p:txBody>
-      </p:sp>
-      <p:sp>
-        <p:nvSpPr>
-          <p:cNvPr id="4" name="Slide Number Placeholder 3"/>
-          <p:cNvSpPr>
-            <a:spLocks noGrp="1"/>
-          </p:cNvSpPr>
-          <p:nvPr>
-            <p:ph type="sldNum" sz="quarter" idx="10"/>
-          </p:nvPr>
-        </p:nvSpPr>
-        <p:spPr/>
-        <p:txBody>
-          <a:bodyPr/>
-          <a:lstStyle/>
-          <a:p>
-            <a:fld id="{4D8388EC-2208-4933-8AC0-4CDA50E0E74E}" type="slidenum">
-              <a:rPr lang="en-SG" smtClean="0"/>
-              <a:t>11</a:t>
-            </a:fld>
-            <a:endParaRPr lang="en-SG"/>
-          </a:p>
-        </p:txBody>
-      </p:sp>
-    </p:spTree>
-    <p:extLst>
-      <p:ext uri="{BB962C8B-B14F-4D97-AF65-F5344CB8AC3E}">
-        <p14:creationId xmlns:p14="http://schemas.microsoft.com/office/powerpoint/2010/main" val="3634647940"/>
-      </p:ext>
-    </p:extLst>
-  </p:cSld>
-  <p:clrMapOvr>
-    <a:masterClrMapping/>
-  </p:clrMapOvr>
-</p:notes>
-</file>
-
 <file path=ppt/notesSlides/notesSlide2.xml><?xml version="1.0" encoding="utf-8"?>
 <p:notes xmlns:a="http://schemas.openxmlformats.org/drawingml/2006/main" xmlns:r="http://schemas.openxmlformats.org/officeDocument/2006/relationships" xmlns:p="http://schemas.openxmlformats.org/presentationml/2006/main">
   <p:cSld>
@@ -1273,7 +1096,7 @@
     </p:spTree>
     <p:extLst>
       <p:ext uri="{BB962C8B-B14F-4D97-AF65-F5344CB8AC3E}">
-        <p14:creationId xmlns:p14="http://schemas.microsoft.com/office/powerpoint/2010/main" val="773518381"/>
+        <p14:creationId xmlns:p14="http://schemas.microsoft.com/office/powerpoint/2010/main" val="3765525740"/>
       </p:ext>
     </p:extLst>
   </p:cSld>
@@ -1328,10 +1151,21 @@
           <a:lstStyle/>
           <a:p>
             <a:r>
-              <a:rPr lang="en-SG" dirty="0" err="1"/>
-              <a:t>javon</a:t>
-            </a:r>
-            <a:endParaRPr lang="en-SG" dirty="0"/>
+              <a:rPr lang="en-SG" dirty="0"/>
+              <a:t>Our higher priorities are AI and mechanics. The King Arthur Final Boss fight is one of our game’s selling points, hence we are prioritizing on completing its AI.</a:t>
+            </a:r>
+          </a:p>
+          <a:p>
+            <a:r>
+              <a:rPr lang="en-SG" dirty="0"/>
+              <a:t>Our lower priority features are the Scoring System, Power Ups and Horde Mode. Horde Mode is an extra feature we plan to implement when our core game is completed. </a:t>
+            </a:r>
+          </a:p>
+          <a:p>
+            <a:r>
+              <a:rPr lang="en-SG" dirty="0"/>
+              <a:t>It is a mode where the player defeats waves of enemies until he dies. </a:t>
+            </a:r>
           </a:p>
         </p:txBody>
       </p:sp>
@@ -1352,7 +1186,7 @@
           <a:p>
             <a:fld id="{4D8388EC-2208-4933-8AC0-4CDA50E0E74E}" type="slidenum">
               <a:rPr lang="en-SG" smtClean="0"/>
-              <a:t>8</a:t>
+              <a:t>9</a:t>
             </a:fld>
             <a:endParaRPr lang="en-SG"/>
           </a:p>
@@ -1361,7 +1195,7 @@
     </p:spTree>
     <p:extLst>
       <p:ext uri="{BB962C8B-B14F-4D97-AF65-F5344CB8AC3E}">
-        <p14:creationId xmlns:p14="http://schemas.microsoft.com/office/powerpoint/2010/main" val="3765525740"/>
+        <p14:creationId xmlns:p14="http://schemas.microsoft.com/office/powerpoint/2010/main" val="1989535299"/>
       </p:ext>
     </p:extLst>
   </p:cSld>
@@ -1416,10 +1250,21 @@
           <a:lstStyle/>
           <a:p>
             <a:r>
-              <a:rPr lang="en-SG" dirty="0" err="1"/>
-              <a:t>jacob</a:t>
-            </a:r>
-            <a:endParaRPr lang="en-SG" dirty="0"/>
+              <a:rPr lang="en-SG" dirty="0"/>
+              <a:t>For risks and mitigation, we have AI. The AI for the bosses may be more complicated than we thought and may need more time. If that happens, we plan to cut down on the number of bosses to prioritize the King Arthur AI. </a:t>
+            </a:r>
+          </a:p>
+          <a:p>
+            <a:r>
+              <a:rPr lang="en-SG" dirty="0"/>
+              <a:t>Over scoping may be a problem as we may not have time to include all the features we want to include into our game. If that happens, we will spend more time on the higher priority features. </a:t>
+            </a:r>
+          </a:p>
+          <a:p>
+            <a:r>
+              <a:rPr lang="en-SG" dirty="0"/>
+              <a:t>All our schedules are different so we may not have as many common timeslots for us to work together. Hence, we will be meeting up more after school and during the weekends. </a:t>
+            </a:r>
           </a:p>
         </p:txBody>
       </p:sp>
@@ -1440,7 +1285,7 @@
           <a:p>
             <a:fld id="{4D8388EC-2208-4933-8AC0-4CDA50E0E74E}" type="slidenum">
               <a:rPr lang="en-SG" smtClean="0"/>
-              <a:t>9</a:t>
+              <a:t>10</a:t>
             </a:fld>
             <a:endParaRPr lang="en-SG"/>
           </a:p>
@@ -1449,7 +1294,7 @@
     </p:spTree>
     <p:extLst>
       <p:ext uri="{BB962C8B-B14F-4D97-AF65-F5344CB8AC3E}">
-        <p14:creationId xmlns:p14="http://schemas.microsoft.com/office/powerpoint/2010/main" val="1989535299"/>
+        <p14:creationId xmlns:p14="http://schemas.microsoft.com/office/powerpoint/2010/main" val="2892611647"/>
       </p:ext>
     </p:extLst>
   </p:cSld>
@@ -1843,7 +1688,7 @@
           <a:p>
             <a:fld id="{70FBEA30-9533-4FBF-B75E-0EAE675AD569}" type="datetimeFigureOut">
               <a:rPr kumimoji="1" lang="ja-JP" altLang="en-US" smtClean="0"/>
-              <a:t>2018/1/23</a:t>
+              <a:t>2018/1/25</a:t>
             </a:fld>
             <a:endParaRPr kumimoji="1" lang="ja-JP" altLang="en-US"/>
           </a:p>
@@ -2008,7 +1853,7 @@
           <a:p>
             <a:fld id="{70FBEA30-9533-4FBF-B75E-0EAE675AD569}" type="datetimeFigureOut">
               <a:rPr kumimoji="1" lang="ja-JP" altLang="en-US" smtClean="0"/>
-              <a:t>2018/1/23</a:t>
+              <a:t>2018/1/25</a:t>
             </a:fld>
             <a:endParaRPr kumimoji="1" lang="ja-JP" altLang="en-US"/>
           </a:p>
@@ -2183,7 +2028,7 @@
           <a:p>
             <a:fld id="{70FBEA30-9533-4FBF-B75E-0EAE675AD569}" type="datetimeFigureOut">
               <a:rPr kumimoji="1" lang="ja-JP" altLang="en-US" smtClean="0"/>
-              <a:t>2018/1/23</a:t>
+              <a:t>2018/1/25</a:t>
             </a:fld>
             <a:endParaRPr kumimoji="1" lang="ja-JP" altLang="en-US"/>
           </a:p>
@@ -2352,7 +2197,7 @@
           <a:p>
             <a:fld id="{70FBEA30-9533-4FBF-B75E-0EAE675AD569}" type="datetimeFigureOut">
               <a:rPr kumimoji="1" lang="ja-JP" altLang="en-US" smtClean="0"/>
-              <a:t>2018/1/23</a:t>
+              <a:t>2018/1/25</a:t>
             </a:fld>
             <a:endParaRPr kumimoji="1" lang="ja-JP" altLang="en-US"/>
           </a:p>
@@ -2807,7 +2652,7 @@
           <a:p>
             <a:fld id="{70FBEA30-9533-4FBF-B75E-0EAE675AD569}" type="datetimeFigureOut">
               <a:rPr kumimoji="1" lang="ja-JP" altLang="en-US" smtClean="0"/>
-              <a:t>2018/1/23</a:t>
+              <a:t>2018/1/25</a:t>
             </a:fld>
             <a:endParaRPr kumimoji="1" lang="ja-JP" altLang="en-US"/>
           </a:p>
@@ -3071,7 +2916,7 @@
           <a:p>
             <a:fld id="{70FBEA30-9533-4FBF-B75E-0EAE675AD569}" type="datetimeFigureOut">
               <a:rPr kumimoji="1" lang="ja-JP" altLang="en-US" smtClean="0"/>
-              <a:t>2018/1/23</a:t>
+              <a:t>2018/1/25</a:t>
             </a:fld>
             <a:endParaRPr kumimoji="1" lang="ja-JP" altLang="en-US"/>
           </a:p>
@@ -3445,7 +3290,7 @@
           <a:p>
             <a:fld id="{70FBEA30-9533-4FBF-B75E-0EAE675AD569}" type="datetimeFigureOut">
               <a:rPr kumimoji="1" lang="ja-JP" altLang="en-US" smtClean="0"/>
-              <a:t>2018/1/23</a:t>
+              <a:t>2018/1/25</a:t>
             </a:fld>
             <a:endParaRPr kumimoji="1" lang="ja-JP" altLang="en-US"/>
           </a:p>
@@ -3567,7 +3412,7 @@
           <a:p>
             <a:fld id="{70FBEA30-9533-4FBF-B75E-0EAE675AD569}" type="datetimeFigureOut">
               <a:rPr kumimoji="1" lang="ja-JP" altLang="en-US" smtClean="0"/>
-              <a:t>2018/1/23</a:t>
+              <a:t>2018/1/25</a:t>
             </a:fld>
             <a:endParaRPr kumimoji="1" lang="ja-JP" altLang="en-US"/>
           </a:p>
@@ -3657,7 +3502,7 @@
           <a:p>
             <a:fld id="{70FBEA30-9533-4FBF-B75E-0EAE675AD569}" type="datetimeFigureOut">
               <a:rPr kumimoji="1" lang="ja-JP" altLang="en-US" smtClean="0"/>
-              <a:t>2018/1/23</a:t>
+              <a:t>2018/1/25</a:t>
             </a:fld>
             <a:endParaRPr kumimoji="1" lang="ja-JP" altLang="en-US"/>
           </a:p>
@@ -3906,7 +3751,7 @@
           <a:p>
             <a:fld id="{70FBEA30-9533-4FBF-B75E-0EAE675AD569}" type="datetimeFigureOut">
               <a:rPr kumimoji="1" lang="ja-JP" altLang="en-US" smtClean="0"/>
-              <a:t>2018/1/23</a:t>
+              <a:t>2018/1/25</a:t>
             </a:fld>
             <a:endParaRPr kumimoji="1" lang="ja-JP" altLang="en-US"/>
           </a:p>
@@ -4165,7 +4010,7 @@
           <a:p>
             <a:fld id="{70FBEA30-9533-4FBF-B75E-0EAE675AD569}" type="datetimeFigureOut">
               <a:rPr kumimoji="1" lang="ja-JP" altLang="en-US" smtClean="0"/>
-              <a:t>2018/1/23</a:t>
+              <a:t>2018/1/25</a:t>
             </a:fld>
             <a:endParaRPr kumimoji="1" lang="ja-JP" altLang="en-US"/>
           </a:p>
@@ -4569,7 +4414,7 @@
           <a:p>
             <a:fld id="{70FBEA30-9533-4FBF-B75E-0EAE675AD569}" type="datetimeFigureOut">
               <a:rPr kumimoji="1" lang="ja-JP" altLang="en-US" smtClean="0"/>
-              <a:t>2018/1/23</a:t>
+              <a:t>2018/1/25</a:t>
             </a:fld>
             <a:endParaRPr kumimoji="1" lang="ja-JP" altLang="en-US"/>
           </a:p>
@@ -5144,6 +4989,14 @@
   <p:clrMapOvr>
     <a:masterClrMapping/>
   </p:clrMapOvr>
+  <mc:AlternateContent xmlns:mc="http://schemas.openxmlformats.org/markup-compatibility/2006">
+    <mc:Choice xmlns:p14="http://schemas.microsoft.com/office/powerpoint/2010/main" Requires="p14">
+      <p:transition spd="slow" p14:dur="2000" advTm="11774"/>
+    </mc:Choice>
+    <mc:Fallback>
+      <p:transition spd="slow" advTm="11774"/>
+    </mc:Fallback>
+  </mc:AlternateContent>
 </p:sld>
 </file>
 
@@ -5255,6 +5108,14 @@
   <p:clrMapOvr>
     <a:masterClrMapping/>
   </p:clrMapOvr>
+  <mc:AlternateContent xmlns:mc="http://schemas.openxmlformats.org/markup-compatibility/2006">
+    <mc:Choice xmlns:p14="http://schemas.microsoft.com/office/powerpoint/2010/main" Requires="p14">
+      <p:transition spd="slow" p14:dur="2000" advTm="47384"/>
+    </mc:Choice>
+    <mc:Fallback>
+      <p:transition spd="slow" advTm="47384"/>
+    </mc:Fallback>
+  </mc:AlternateContent>
 </p:sld>
 </file>
 
@@ -5292,90 +5153,6 @@
           <a:p>
             <a:r>
               <a:rPr kumimoji="1" lang="en-US" altLang="ja-JP" dirty="0"/>
-              <a:t>Timeline</a:t>
-            </a:r>
-            <a:endParaRPr kumimoji="1" lang="ja-JP" altLang="en-US" dirty="0"/>
-          </a:p>
-        </p:txBody>
-      </p:sp>
-      <p:pic>
-        <p:nvPicPr>
-          <p:cNvPr id="4" name="Content Placeholder 3">
-            <a:extLst>
-              <a:ext uri="{FF2B5EF4-FFF2-40B4-BE49-F238E27FC236}">
-                <a16:creationId xmlns:a16="http://schemas.microsoft.com/office/drawing/2014/main" id="{FDC76A54-B1EC-4EB6-9DE8-482E0B48F1AE}"/>
-              </a:ext>
-            </a:extLst>
-          </p:cNvPr>
-          <p:cNvPicPr>
-            <a:picLocks noGrp="1" noChangeAspect="1"/>
-          </p:cNvPicPr>
-          <p:nvPr>
-            <p:ph idx="1"/>
-          </p:nvPr>
-        </p:nvPicPr>
-        <p:blipFill rotWithShape="1">
-          <a:blip r:embed="rId3"/>
-          <a:srcRect t="4167"/>
-          <a:stretch/>
-        </p:blipFill>
-        <p:spPr>
-          <a:xfrm>
-            <a:off x="-56259" y="1772816"/>
-            <a:ext cx="9256518" cy="3312368"/>
-          </a:xfrm>
-          <a:prstGeom prst="rect">
-            <a:avLst/>
-          </a:prstGeom>
-        </p:spPr>
-      </p:pic>
-    </p:spTree>
-    <p:extLst>
-      <p:ext uri="{BB962C8B-B14F-4D97-AF65-F5344CB8AC3E}">
-        <p14:creationId xmlns:p14="http://schemas.microsoft.com/office/powerpoint/2010/main" val="89951158"/>
-      </p:ext>
-    </p:extLst>
-  </p:cSld>
-  <p:clrMapOvr>
-    <a:masterClrMapping/>
-  </p:clrMapOvr>
-</p:sld>
-</file>
-
-<file path=ppt/slides/slide12.xml><?xml version="1.0" encoding="utf-8"?>
-<p:sld xmlns:a="http://schemas.openxmlformats.org/drawingml/2006/main" xmlns:r="http://schemas.openxmlformats.org/officeDocument/2006/relationships" xmlns:p="http://schemas.openxmlformats.org/presentationml/2006/main">
-  <p:cSld>
-    <p:spTree>
-      <p:nvGrpSpPr>
-        <p:cNvPr id="1" name=""/>
-        <p:cNvGrpSpPr/>
-        <p:nvPr/>
-      </p:nvGrpSpPr>
-      <p:grpSpPr>
-        <a:xfrm>
-          <a:off x="0" y="0"/>
-          <a:ext cx="0" cy="0"/>
-          <a:chOff x="0" y="0"/>
-          <a:chExt cx="0" cy="0"/>
-        </a:xfrm>
-      </p:grpSpPr>
-      <p:sp>
-        <p:nvSpPr>
-          <p:cNvPr id="2" name="Title 1"/>
-          <p:cNvSpPr>
-            <a:spLocks noGrp="1"/>
-          </p:cNvSpPr>
-          <p:nvPr>
-            <p:ph type="title"/>
-          </p:nvPr>
-        </p:nvSpPr>
-        <p:spPr/>
-        <p:txBody>
-          <a:bodyPr/>
-          <a:lstStyle/>
-          <a:p>
-            <a:r>
-              <a:rPr kumimoji="1" lang="en-US" altLang="ja-JP" dirty="0"/>
               <a:t>Q&amp;A</a:t>
             </a:r>
             <a:endParaRPr kumimoji="1" lang="ja-JP" altLang="en-US" dirty="0"/>
@@ -5411,6 +5188,14 @@
   <p:clrMapOvr>
     <a:masterClrMapping/>
   </p:clrMapOvr>
+  <mc:AlternateContent xmlns:mc="http://schemas.openxmlformats.org/markup-compatibility/2006">
+    <mc:Choice xmlns:p14="http://schemas.microsoft.com/office/powerpoint/2010/main" Requires="p14">
+      <p:transition spd="slow" p14:dur="2000" advTm="8137"/>
+    </mc:Choice>
+    <mc:Fallback>
+      <p:transition spd="slow" advTm="8137"/>
+    </mc:Fallback>
+  </mc:AlternateContent>
 </p:sld>
 </file>
 
@@ -5470,9 +5255,10 @@
           <a:lstStyle/>
           <a:p>
             <a:r>
-              <a:rPr kumimoji="1" lang="en-US" altLang="ja-JP" dirty="0"/>
-              <a:t>Dragon Character</a:t>
-            </a:r>
+              <a:rPr lang="en-US" altLang="ja-JP" dirty="0"/>
+              <a:t>2D Action Platformer</a:t>
+            </a:r>
+            <a:endParaRPr kumimoji="1" lang="en-US" altLang="ja-JP" dirty="0"/>
           </a:p>
           <a:p>
             <a:r>
@@ -5482,11 +5268,9 @@
           </a:p>
           <a:p>
             <a:r>
-              <a:rPr lang="en-US" altLang="ja-JP" dirty="0"/>
-              <a:t>2D Action Platformer</a:t>
-            </a:r>
-          </a:p>
-          <a:p>
+              <a:rPr kumimoji="1" lang="en-SG" altLang="ja-JP" dirty="0"/>
+              <a:t>Dragon Main Character</a:t>
+            </a:r>
             <a:endParaRPr kumimoji="1" lang="ja-JP" altLang="en-US" dirty="0"/>
           </a:p>
         </p:txBody>
@@ -5530,6 +5314,14 @@
   <p:clrMapOvr>
     <a:masterClrMapping/>
   </p:clrMapOvr>
+  <mc:AlternateContent xmlns:mc="http://schemas.openxmlformats.org/markup-compatibility/2006">
+    <mc:Choice xmlns:p14="http://schemas.microsoft.com/office/powerpoint/2010/main" Requires="p14">
+      <p:transition spd="slow" p14:dur="2000" advTm="16384"/>
+    </mc:Choice>
+    <mc:Fallback>
+      <p:transition spd="slow" advTm="16384"/>
+    </mc:Fallback>
+  </mc:AlternateContent>
 </p:sld>
 </file>
 
@@ -5641,6 +5433,14 @@
   <p:clrMapOvr>
     <a:masterClrMapping/>
   </p:clrMapOvr>
+  <mc:AlternateContent xmlns:mc="http://schemas.openxmlformats.org/markup-compatibility/2006">
+    <mc:Choice xmlns:p14="http://schemas.microsoft.com/office/powerpoint/2010/main" Requires="p14">
+      <p:transition spd="slow" p14:dur="2000" advTm="8279"/>
+    </mc:Choice>
+    <mc:Fallback>
+      <p:transition spd="slow" advTm="8279"/>
+    </mc:Fallback>
+  </mc:AlternateContent>
 </p:sld>
 </file>
 
@@ -5735,7 +5535,7 @@
             <a:pPr lvl="1"/>
             <a:r>
               <a:rPr lang="en-US" altLang="ja-JP" dirty="0"/>
-              <a:t>Mega Fireball</a:t>
+              <a:t>Mega Fireball (Charged)</a:t>
             </a:r>
           </a:p>
         </p:txBody>
@@ -5780,6 +5580,14 @@
   <p:clrMapOvr>
     <a:masterClrMapping/>
   </p:clrMapOvr>
+  <mc:AlternateContent xmlns:mc="http://schemas.openxmlformats.org/markup-compatibility/2006">
+    <mc:Choice xmlns:p14="http://schemas.microsoft.com/office/powerpoint/2010/main" Requires="p14">
+      <p:transition spd="slow" p14:dur="2000" advTm="26647"/>
+    </mc:Choice>
+    <mc:Fallback>
+      <p:transition spd="slow" advTm="26647"/>
+    </mc:Fallback>
+  </mc:AlternateContent>
 </p:sld>
 </file>
 
@@ -5817,7 +5625,7 @@
           <a:p>
             <a:r>
               <a:rPr kumimoji="1" lang="en-SG" altLang="ja-JP" dirty="0"/>
-              <a:t>Game Design</a:t>
+              <a:t>Game Progression</a:t>
             </a:r>
             <a:endParaRPr kumimoji="1" lang="ja-JP" altLang="en-US" dirty="0"/>
           </a:p>
@@ -5850,14 +5658,14 @@
           <a:p>
             <a:r>
               <a:rPr lang="en-US" altLang="ja-JP" dirty="0"/>
-              <a:t>Normal mobs and boss fights</a:t>
+              <a:t>Boss fights</a:t>
             </a:r>
             <a:endParaRPr kumimoji="1" lang="en-US" altLang="ja-JP" dirty="0"/>
           </a:p>
           <a:p>
             <a:r>
               <a:rPr lang="en-US" altLang="ja-JP" dirty="0"/>
-              <a:t>Clear stages and defeat bosses to move on</a:t>
+              <a:t>Different Enemy Behavior</a:t>
             </a:r>
           </a:p>
         </p:txBody>
@@ -5917,6 +5725,14 @@
   <p:clrMapOvr>
     <a:masterClrMapping/>
   </p:clrMapOvr>
+  <mc:AlternateContent xmlns:mc="http://schemas.openxmlformats.org/markup-compatibility/2006">
+    <mc:Choice xmlns:p14="http://schemas.microsoft.com/office/powerpoint/2010/main" Requires="p14">
+      <p:transition spd="slow" p14:dur="2000" advTm="32274"/>
+    </mc:Choice>
+    <mc:Fallback>
+      <p:transition spd="slow" advTm="32274"/>
+    </mc:Fallback>
+  </mc:AlternateContent>
 </p:sld>
 </file>
 
@@ -5953,8 +5769,8 @@
           <a:lstStyle/>
           <a:p>
             <a:r>
-              <a:rPr kumimoji="1" lang="en-US" altLang="ja-JP" dirty="0"/>
-              <a:t>Game Resources</a:t>
+              <a:rPr lang="en-US" altLang="ja-JP" dirty="0"/>
+              <a:t>Combat</a:t>
             </a:r>
             <a:endParaRPr kumimoji="1" lang="ja-JP" altLang="en-US" dirty="0"/>
           </a:p>
@@ -5979,6 +5795,14 @@
               <a:rPr kumimoji="1" lang="en-US" altLang="ja-JP" dirty="0"/>
               <a:t>Enemies</a:t>
             </a:r>
+          </a:p>
+          <a:p>
+            <a:pPr lvl="1"/>
+            <a:r>
+              <a:rPr lang="en-US" altLang="ja-JP" dirty="0"/>
+              <a:t>Basic and Elite</a:t>
+            </a:r>
+            <a:endParaRPr kumimoji="1" lang="en-US" altLang="ja-JP" dirty="0"/>
           </a:p>
           <a:p>
             <a:r>
@@ -6038,7 +5862,7 @@
         </p:blipFill>
         <p:spPr>
           <a:xfrm>
-            <a:off x="3923928" y="1844824"/>
+            <a:off x="3851920" y="2523322"/>
             <a:ext cx="4557464" cy="2734478"/>
           </a:xfrm>
           <a:prstGeom prst="rect">
@@ -6056,6 +5880,14 @@
   <p:clrMapOvr>
     <a:masterClrMapping/>
   </p:clrMapOvr>
+  <mc:AlternateContent xmlns:mc="http://schemas.openxmlformats.org/markup-compatibility/2006">
+    <mc:Choice xmlns:p14="http://schemas.microsoft.com/office/powerpoint/2010/main" Requires="p14">
+      <p:transition spd="slow" p14:dur="2000" advTm="59440"/>
+    </mc:Choice>
+    <mc:Fallback>
+      <p:transition spd="slow" advTm="59440"/>
+    </mc:Fallback>
+  </mc:AlternateContent>
 </p:sld>
 </file>
 
@@ -6093,112 +5925,11 @@
           <a:p>
             <a:r>
               <a:rPr kumimoji="1" lang="en-US" altLang="ja-JP" dirty="0"/>
-              <a:t>Visual Design</a:t>
-            </a:r>
-            <a:endParaRPr kumimoji="1" lang="ja-JP" altLang="en-US" dirty="0"/>
-          </a:p>
-        </p:txBody>
-      </p:sp>
-      <p:sp>
-        <p:nvSpPr>
-          <p:cNvPr id="3" name="Content Placeholder 2"/>
-          <p:cNvSpPr>
-            <a:spLocks noGrp="1"/>
-          </p:cNvSpPr>
-          <p:nvPr>
-            <p:ph idx="1"/>
-          </p:nvPr>
-        </p:nvSpPr>
-        <p:spPr/>
-        <p:txBody>
-          <a:bodyPr/>
-          <a:lstStyle/>
-          <a:p>
-            <a:r>
-              <a:rPr kumimoji="1" lang="en-US" altLang="ja-JP" dirty="0"/>
-              <a:t>Pixel art</a:t>
-            </a:r>
-          </a:p>
-        </p:txBody>
-      </p:sp>
-      <p:pic>
-        <p:nvPicPr>
-          <p:cNvPr id="4" name="Picture 3">
-            <a:extLst>
-              <a:ext uri="{FF2B5EF4-FFF2-40B4-BE49-F238E27FC236}">
-                <a16:creationId xmlns:a16="http://schemas.microsoft.com/office/drawing/2014/main" id="{850761E6-B344-4B08-99F6-8E04CB536F5E}"/>
-              </a:ext>
-            </a:extLst>
-          </p:cNvPr>
-          <p:cNvPicPr>
-            <a:picLocks noChangeAspect="1"/>
-          </p:cNvPicPr>
-          <p:nvPr/>
-        </p:nvPicPr>
-        <p:blipFill>
-          <a:blip r:embed="rId3"/>
-          <a:stretch>
-            <a:fillRect/>
-          </a:stretch>
-        </p:blipFill>
-        <p:spPr>
-          <a:xfrm>
-            <a:off x="899592" y="2420888"/>
-            <a:ext cx="5063523" cy="3343076"/>
-          </a:xfrm>
-          <a:prstGeom prst="rect">
-            <a:avLst/>
-          </a:prstGeom>
-        </p:spPr>
-      </p:pic>
-    </p:spTree>
-    <p:extLst>
-      <p:ext uri="{BB962C8B-B14F-4D97-AF65-F5344CB8AC3E}">
-        <p14:creationId xmlns:p14="http://schemas.microsoft.com/office/powerpoint/2010/main" val="2563496370"/>
-      </p:ext>
-    </p:extLst>
-  </p:cSld>
-  <p:clrMapOvr>
-    <a:masterClrMapping/>
-  </p:clrMapOvr>
-</p:sld>
-</file>
-
-<file path=ppt/slides/slide8.xml><?xml version="1.0" encoding="utf-8"?>
-<p:sld xmlns:a="http://schemas.openxmlformats.org/drawingml/2006/main" xmlns:r="http://schemas.openxmlformats.org/officeDocument/2006/relationships" xmlns:p="http://schemas.openxmlformats.org/presentationml/2006/main">
-  <p:cSld>
-    <p:spTree>
-      <p:nvGrpSpPr>
-        <p:cNvPr id="1" name=""/>
-        <p:cNvGrpSpPr/>
-        <p:nvPr/>
-      </p:nvGrpSpPr>
-      <p:grpSpPr>
-        <a:xfrm>
-          <a:off x="0" y="0"/>
-          <a:ext cx="0" cy="0"/>
-          <a:chOff x="0" y="0"/>
-          <a:chExt cx="0" cy="0"/>
-        </a:xfrm>
-      </p:grpSpPr>
-      <p:sp>
-        <p:nvSpPr>
-          <p:cNvPr id="2" name="Title 1"/>
-          <p:cNvSpPr>
-            <a:spLocks noGrp="1"/>
-          </p:cNvSpPr>
-          <p:nvPr>
-            <p:ph type="title"/>
-          </p:nvPr>
-        </p:nvSpPr>
-        <p:spPr/>
-        <p:txBody>
-          <a:bodyPr/>
-          <a:lstStyle/>
-          <a:p>
-            <a:r>
-              <a:rPr kumimoji="1" lang="en-US" altLang="ja-JP" dirty="0"/>
-              <a:t>Physics Design</a:t>
+              <a:t>Physics </a:t>
+            </a:r>
+            <a:r>
+              <a:rPr lang="en-US" altLang="ja-JP" dirty="0"/>
+              <a:t>Engine</a:t>
             </a:r>
             <a:endParaRPr kumimoji="1" lang="ja-JP" altLang="en-US" dirty="0"/>
           </a:p>
@@ -6225,19 +5956,22 @@
             </a:r>
           </a:p>
           <a:p>
+            <a:pPr lvl="1"/>
             <a:r>
               <a:rPr lang="en-US" altLang="ja-JP" dirty="0"/>
-              <a:t>Collision</a:t>
-            </a:r>
-          </a:p>
-          <a:p>
-            <a:r>
+              <a:t>Projectiles (Arrows)</a:t>
+            </a:r>
+          </a:p>
+          <a:p>
+            <a:pPr lvl="1"/>
+            <a:r>
+              <a:rPr lang="en-US" altLang="ja-JP" dirty="0"/>
+              <a:t>Jumping</a:t>
+            </a:r>
+            <a:br>
               <a:rPr kumimoji="1" lang="en-US" altLang="ja-JP" dirty="0"/>
-              <a:t>Motion Dynamics</a:t>
-            </a:r>
-          </a:p>
-          <a:p>
-            <a:endParaRPr kumimoji="1" lang="ja-JP" altLang="en-US" dirty="0"/>
+            </a:br>
+            <a:endParaRPr lang="en-SG" altLang="ja-JP" dirty="0"/>
           </a:p>
         </p:txBody>
       </p:sp>
@@ -6263,7 +5997,7 @@
         </p:blipFill>
         <p:spPr>
           <a:xfrm>
-            <a:off x="1696033" y="3429000"/>
+            <a:off x="2172866" y="3506746"/>
             <a:ext cx="5751934" cy="3076616"/>
           </a:xfrm>
           <a:prstGeom prst="rect">
@@ -6281,6 +6015,129 @@
   <p:clrMapOvr>
     <a:masterClrMapping/>
   </p:clrMapOvr>
+  <mc:AlternateContent xmlns:mc="http://schemas.openxmlformats.org/markup-compatibility/2006">
+    <mc:Choice xmlns:p14="http://schemas.microsoft.com/office/powerpoint/2010/main" Requires="p14">
+      <p:transition spd="slow" p14:dur="2000" advTm="19206"/>
+    </mc:Choice>
+    <mc:Fallback>
+      <p:transition spd="slow" advTm="19206"/>
+    </mc:Fallback>
+  </mc:AlternateContent>
+</p:sld>
+</file>
+
+<file path=ppt/slides/slide8.xml><?xml version="1.0" encoding="utf-8"?>
+<p:sld xmlns:a="http://schemas.openxmlformats.org/drawingml/2006/main" xmlns:r="http://schemas.openxmlformats.org/officeDocument/2006/relationships" xmlns:p="http://schemas.openxmlformats.org/presentationml/2006/main">
+  <p:cSld>
+    <p:spTree>
+      <p:nvGrpSpPr>
+        <p:cNvPr id="1" name=""/>
+        <p:cNvGrpSpPr/>
+        <p:nvPr/>
+      </p:nvGrpSpPr>
+      <p:grpSpPr>
+        <a:xfrm>
+          <a:off x="0" y="0"/>
+          <a:ext cx="0" cy="0"/>
+          <a:chOff x="0" y="0"/>
+          <a:chExt cx="0" cy="0"/>
+        </a:xfrm>
+      </p:grpSpPr>
+      <p:sp>
+        <p:nvSpPr>
+          <p:cNvPr id="2" name="Title 1">
+            <a:extLst>
+              <a:ext uri="{FF2B5EF4-FFF2-40B4-BE49-F238E27FC236}">
+                <a16:creationId xmlns:a16="http://schemas.microsoft.com/office/drawing/2014/main" id="{D3F9DF23-153D-440B-BABB-77376099D7D1}"/>
+              </a:ext>
+            </a:extLst>
+          </p:cNvPr>
+          <p:cNvSpPr>
+            <a:spLocks noGrp="1"/>
+          </p:cNvSpPr>
+          <p:nvPr>
+            <p:ph type="title"/>
+          </p:nvPr>
+        </p:nvSpPr>
+        <p:spPr/>
+        <p:txBody>
+          <a:bodyPr/>
+          <a:lstStyle/>
+          <a:p>
+            <a:r>
+              <a:rPr lang="en-SG" dirty="0"/>
+              <a:t>Grid Collision </a:t>
+            </a:r>
+          </a:p>
+        </p:txBody>
+      </p:sp>
+      <p:pic>
+        <p:nvPicPr>
+          <p:cNvPr id="1026" name="Picture 2" descr="Image result for grid collision detection">
+            <a:extLst>
+              <a:ext uri="{FF2B5EF4-FFF2-40B4-BE49-F238E27FC236}">
+                <a16:creationId xmlns:a16="http://schemas.microsoft.com/office/drawing/2014/main" id="{240B640B-1D7D-402C-AD9C-FA5AA09B69F6}"/>
+              </a:ext>
+            </a:extLst>
+          </p:cNvPr>
+          <p:cNvPicPr>
+            <a:picLocks noGrp="1" noChangeAspect="1" noChangeArrowheads="1"/>
+          </p:cNvPicPr>
+          <p:nvPr>
+            <p:ph idx="1"/>
+          </p:nvPr>
+        </p:nvPicPr>
+        <p:blipFill>
+          <a:blip r:embed="rId2">
+            <a:extLst>
+              <a:ext uri="{28A0092B-C50C-407E-A947-70E740481C1C}">
+                <a14:useLocalDpi xmlns:a14="http://schemas.microsoft.com/office/drawing/2010/main" val="0"/>
+              </a:ext>
+            </a:extLst>
+          </a:blip>
+          <a:srcRect/>
+          <a:stretch>
+            <a:fillRect/>
+          </a:stretch>
+        </p:blipFill>
+        <p:spPr bwMode="auto">
+          <a:xfrm>
+            <a:off x="457200" y="1484784"/>
+            <a:ext cx="7956124" cy="4481613"/>
+          </a:xfrm>
+          <a:prstGeom prst="rect">
+            <a:avLst/>
+          </a:prstGeom>
+          <a:noFill/>
+          <a:extLst>
+            <a:ext uri="{909E8E84-426E-40DD-AFC4-6F175D3DCCD1}">
+              <a14:hiddenFill xmlns:a14="http://schemas.microsoft.com/office/drawing/2010/main">
+                <a:solidFill>
+                  <a:srgbClr val="FFFFFF"/>
+                </a:solidFill>
+              </a14:hiddenFill>
+            </a:ext>
+          </a:extLst>
+        </p:spPr>
+      </p:pic>
+    </p:spTree>
+    <p:extLst>
+      <p:ext uri="{BB962C8B-B14F-4D97-AF65-F5344CB8AC3E}">
+        <p14:creationId xmlns:p14="http://schemas.microsoft.com/office/powerpoint/2010/main" val="2276479741"/>
+      </p:ext>
+    </p:extLst>
+  </p:cSld>
+  <p:clrMapOvr>
+    <a:masterClrMapping/>
+  </p:clrMapOvr>
+  <mc:AlternateContent xmlns:mc="http://schemas.openxmlformats.org/markup-compatibility/2006">
+    <mc:Choice xmlns:p14="http://schemas.microsoft.com/office/powerpoint/2010/main" Requires="p14">
+      <p:transition spd="slow" p14:dur="2000" advTm="20887"/>
+    </mc:Choice>
+    <mc:Fallback>
+      <p:transition spd="slow" advTm="20887"/>
+    </mc:Fallback>
+  </mc:AlternateContent>
 </p:sld>
 </file>
 
@@ -6382,16 +6239,15 @@
             <a:pPr lvl="1"/>
             <a:r>
               <a:rPr lang="en-SG" altLang="ja-JP" dirty="0"/>
-              <a:t>Power Ups</a:t>
+              <a:t>Varied Power Ups</a:t>
             </a:r>
           </a:p>
           <a:p>
             <a:pPr lvl="1"/>
             <a:r>
               <a:rPr kumimoji="1" lang="en-SG" altLang="ja-JP" dirty="0"/>
-              <a:t>Platforming</a:t>
-            </a:r>
-            <a:endParaRPr kumimoji="1" lang="ja-JP" altLang="en-US" dirty="0"/>
+              <a:t>Horde Mode</a:t>
+            </a:r>
           </a:p>
         </p:txBody>
       </p:sp>
@@ -6405,6 +6261,14 @@
   <p:clrMapOvr>
     <a:masterClrMapping/>
   </p:clrMapOvr>
+  <mc:AlternateContent xmlns:mc="http://schemas.openxmlformats.org/markup-compatibility/2006">
+    <mc:Choice xmlns:p14="http://schemas.microsoft.com/office/powerpoint/2010/main" Requires="p14">
+      <p:transition spd="slow" p14:dur="2000" advTm="40989"/>
+    </mc:Choice>
+    <mc:Fallback>
+      <p:transition spd="slow" advTm="40989"/>
+    </mc:Fallback>
+  </mc:AlternateContent>
 </p:sld>
 </file>
 
